--- a/Media/IHK_backgrounds.pptx
+++ b/Media/IHK_backgrounds.pptx
@@ -5,11 +5,12 @@
     <p:sldMasterId id="2147483648" r:id="rId1"/>
   </p:sldMasterIdLst>
   <p:notesMasterIdLst>
-    <p:notesMasterId r:id="rId4"/>
+    <p:notesMasterId r:id="rId5"/>
   </p:notesMasterIdLst>
   <p:sldIdLst>
     <p:sldId id="256" r:id="rId2"/>
     <p:sldId id="257" r:id="rId3"/>
+    <p:sldId id="258" r:id="rId4"/>
   </p:sldIdLst>
   <p:sldSz cx="12192000" cy="6858000"/>
   <p:notesSz cx="6858000" cy="9144000"/>
@@ -108,6 +109,11 @@
       </a:defRPr>
     </a:lvl9pPr>
   </p:defaultTextStyle>
+  <p:extLst>
+    <p:ext uri="{EFAFB233-063F-42B5-8137-9DF3F51BA10A}">
+      <p15:sldGuideLst xmlns:p15="http://schemas.microsoft.com/office/powerpoint/2012/main"/>
+    </p:ext>
+  </p:extLst>
 </p:presentation>
 </file>
 
@@ -193,7 +199,7 @@
           <a:p>
             <a:fld id="{C99356F5-6974-4851-A721-B1FD11D79265}" type="datetimeFigureOut">
               <a:rPr lang="de-DE" smtClean="0"/>
-              <a:t>31.05.2025</a:t>
+              <a:t>01.06.2025</a:t>
             </a:fld>
             <a:endParaRPr lang="de-DE"/>
           </a:p>
@@ -652,6 +658,114 @@
 </p:notes>
 </file>
 
+<file path=ppt/notesSlides/notesSlide3.xml><?xml version="1.0" encoding="utf-8"?>
+<p:notes xmlns:a="http://schemas.openxmlformats.org/drawingml/2006/main" xmlns:r="http://schemas.openxmlformats.org/officeDocument/2006/relationships" xmlns:p="http://schemas.openxmlformats.org/presentationml/2006/main">
+  <p:cSld>
+    <p:spTree>
+      <p:nvGrpSpPr>
+        <p:cNvPr id="1" name="">
+          <a:extLst>
+            <a:ext uri="{FF2B5EF4-FFF2-40B4-BE49-F238E27FC236}">
+              <a16:creationId xmlns:a16="http://schemas.microsoft.com/office/drawing/2014/main" id="{34876817-1881-EE6D-C73F-FC4C1F1B1458}"/>
+            </a:ext>
+          </a:extLst>
+        </p:cNvPr>
+        <p:cNvGrpSpPr/>
+        <p:nvPr/>
+      </p:nvGrpSpPr>
+      <p:grpSpPr>
+        <a:xfrm>
+          <a:off x="0" y="0"/>
+          <a:ext cx="0" cy="0"/>
+          <a:chOff x="0" y="0"/>
+          <a:chExt cx="0" cy="0"/>
+        </a:xfrm>
+      </p:grpSpPr>
+      <p:sp>
+        <p:nvSpPr>
+          <p:cNvPr id="2" name="Folienbildplatzhalter 1">
+            <a:extLst>
+              <a:ext uri="{FF2B5EF4-FFF2-40B4-BE49-F238E27FC236}">
+                <a16:creationId xmlns:a16="http://schemas.microsoft.com/office/drawing/2014/main" id="{C62C1322-CF90-EE38-31CF-7B0735D40B86}"/>
+              </a:ext>
+            </a:extLst>
+          </p:cNvPr>
+          <p:cNvSpPr>
+            <a:spLocks noGrp="1" noRot="1" noChangeAspect="1"/>
+          </p:cNvSpPr>
+          <p:nvPr>
+            <p:ph type="sldImg"/>
+          </p:nvPr>
+        </p:nvSpPr>
+        <p:spPr/>
+      </p:sp>
+      <p:sp>
+        <p:nvSpPr>
+          <p:cNvPr id="3" name="Notizenplatzhalter 2">
+            <a:extLst>
+              <a:ext uri="{FF2B5EF4-FFF2-40B4-BE49-F238E27FC236}">
+                <a16:creationId xmlns:a16="http://schemas.microsoft.com/office/drawing/2014/main" id="{C0A2E8ED-BA9E-C007-B070-4A59383435CB}"/>
+              </a:ext>
+            </a:extLst>
+          </p:cNvPr>
+          <p:cNvSpPr>
+            <a:spLocks noGrp="1"/>
+          </p:cNvSpPr>
+          <p:nvPr>
+            <p:ph type="body" idx="1"/>
+          </p:nvPr>
+        </p:nvSpPr>
+        <p:spPr/>
+        <p:txBody>
+          <a:bodyPr/>
+          <a:lstStyle/>
+          <a:p>
+            <a:endParaRPr lang="de-DE" dirty="0"/>
+          </a:p>
+        </p:txBody>
+      </p:sp>
+      <p:sp>
+        <p:nvSpPr>
+          <p:cNvPr id="4" name="Foliennummernplatzhalter 3">
+            <a:extLst>
+              <a:ext uri="{FF2B5EF4-FFF2-40B4-BE49-F238E27FC236}">
+                <a16:creationId xmlns:a16="http://schemas.microsoft.com/office/drawing/2014/main" id="{34FBC880-1313-B114-0CC2-A3B04C1C6E30}"/>
+              </a:ext>
+            </a:extLst>
+          </p:cNvPr>
+          <p:cNvSpPr>
+            <a:spLocks noGrp="1"/>
+          </p:cNvSpPr>
+          <p:nvPr>
+            <p:ph type="sldNum" sz="quarter" idx="5"/>
+          </p:nvPr>
+        </p:nvSpPr>
+        <p:spPr/>
+        <p:txBody>
+          <a:bodyPr/>
+          <a:lstStyle/>
+          <a:p>
+            <a:fld id="{D2692A1A-1D0D-438A-98F1-7744B537616C}" type="slidenum">
+              <a:rPr lang="de-DE" smtClean="0"/>
+              <a:t>3</a:t>
+            </a:fld>
+            <a:endParaRPr lang="de-DE"/>
+          </a:p>
+        </p:txBody>
+      </p:sp>
+    </p:spTree>
+    <p:extLst>
+      <p:ext uri="{BB962C8B-B14F-4D97-AF65-F5344CB8AC3E}">
+        <p14:creationId xmlns:p14="http://schemas.microsoft.com/office/powerpoint/2010/main" val="281538745"/>
+      </p:ext>
+    </p:extLst>
+  </p:cSld>
+  <p:clrMapOvr>
+    <a:masterClrMapping/>
+  </p:clrMapOvr>
+</p:notes>
+</file>
+
 <file path=ppt/slideLayouts/slideLayout1.xml><?xml version="1.0" encoding="utf-8"?>
 <p:sldLayout xmlns:a="http://schemas.openxmlformats.org/drawingml/2006/main" xmlns:r="http://schemas.openxmlformats.org/officeDocument/2006/relationships" xmlns:p="http://schemas.openxmlformats.org/presentationml/2006/main" type="title" preserve="1">
   <p:cSld name="Titelfolie">
@@ -799,7 +913,7 @@
           <a:p>
             <a:fld id="{E12C17C7-0C47-4F1F-A964-8DBF7A2A1D4A}" type="datetimeFigureOut">
               <a:rPr lang="de-DE" smtClean="0"/>
-              <a:t>31.05.2025</a:t>
+              <a:t>01.06.2025</a:t>
             </a:fld>
             <a:endParaRPr lang="de-DE"/>
           </a:p>
@@ -997,7 +1111,7 @@
           <a:p>
             <a:fld id="{E12C17C7-0C47-4F1F-A964-8DBF7A2A1D4A}" type="datetimeFigureOut">
               <a:rPr lang="de-DE" smtClean="0"/>
-              <a:t>31.05.2025</a:t>
+              <a:t>01.06.2025</a:t>
             </a:fld>
             <a:endParaRPr lang="de-DE"/>
           </a:p>
@@ -1205,7 +1319,7 @@
           <a:p>
             <a:fld id="{E12C17C7-0C47-4F1F-A964-8DBF7A2A1D4A}" type="datetimeFigureOut">
               <a:rPr lang="de-DE" smtClean="0"/>
-              <a:t>31.05.2025</a:t>
+              <a:t>01.06.2025</a:t>
             </a:fld>
             <a:endParaRPr lang="de-DE"/>
           </a:p>
@@ -1403,7 +1517,7 @@
           <a:p>
             <a:fld id="{E12C17C7-0C47-4F1F-A964-8DBF7A2A1D4A}" type="datetimeFigureOut">
               <a:rPr lang="de-DE" smtClean="0"/>
-              <a:t>31.05.2025</a:t>
+              <a:t>01.06.2025</a:t>
             </a:fld>
             <a:endParaRPr lang="de-DE"/>
           </a:p>
@@ -1678,7 +1792,7 @@
           <a:p>
             <a:fld id="{E12C17C7-0C47-4F1F-A964-8DBF7A2A1D4A}" type="datetimeFigureOut">
               <a:rPr lang="de-DE" smtClean="0"/>
-              <a:t>31.05.2025</a:t>
+              <a:t>01.06.2025</a:t>
             </a:fld>
             <a:endParaRPr lang="de-DE"/>
           </a:p>
@@ -1943,7 +2057,7 @@
           <a:p>
             <a:fld id="{E12C17C7-0C47-4F1F-A964-8DBF7A2A1D4A}" type="datetimeFigureOut">
               <a:rPr lang="de-DE" smtClean="0"/>
-              <a:t>31.05.2025</a:t>
+              <a:t>01.06.2025</a:t>
             </a:fld>
             <a:endParaRPr lang="de-DE"/>
           </a:p>
@@ -2355,7 +2469,7 @@
           <a:p>
             <a:fld id="{E12C17C7-0C47-4F1F-A964-8DBF7A2A1D4A}" type="datetimeFigureOut">
               <a:rPr lang="de-DE" smtClean="0"/>
-              <a:t>31.05.2025</a:t>
+              <a:t>01.06.2025</a:t>
             </a:fld>
             <a:endParaRPr lang="de-DE"/>
           </a:p>
@@ -2496,7 +2610,7 @@
           <a:p>
             <a:fld id="{E12C17C7-0C47-4F1F-A964-8DBF7A2A1D4A}" type="datetimeFigureOut">
               <a:rPr lang="de-DE" smtClean="0"/>
-              <a:t>31.05.2025</a:t>
+              <a:t>01.06.2025</a:t>
             </a:fld>
             <a:endParaRPr lang="de-DE"/>
           </a:p>
@@ -2609,7 +2723,7 @@
           <a:p>
             <a:fld id="{E12C17C7-0C47-4F1F-A964-8DBF7A2A1D4A}" type="datetimeFigureOut">
               <a:rPr lang="de-DE" smtClean="0"/>
-              <a:t>31.05.2025</a:t>
+              <a:t>01.06.2025</a:t>
             </a:fld>
             <a:endParaRPr lang="de-DE"/>
           </a:p>
@@ -2920,7 +3034,7 @@
           <a:p>
             <a:fld id="{E12C17C7-0C47-4F1F-A964-8DBF7A2A1D4A}" type="datetimeFigureOut">
               <a:rPr lang="de-DE" smtClean="0"/>
-              <a:t>31.05.2025</a:t>
+              <a:t>01.06.2025</a:t>
             </a:fld>
             <a:endParaRPr lang="de-DE"/>
           </a:p>
@@ -3208,7 +3322,7 @@
           <a:p>
             <a:fld id="{E12C17C7-0C47-4F1F-A964-8DBF7A2A1D4A}" type="datetimeFigureOut">
               <a:rPr lang="de-DE" smtClean="0"/>
-              <a:t>31.05.2025</a:t>
+              <a:t>01.06.2025</a:t>
             </a:fld>
             <a:endParaRPr lang="de-DE"/>
           </a:p>
@@ -3449,7 +3563,7 @@
           <a:p>
             <a:fld id="{E12C17C7-0C47-4F1F-A964-8DBF7A2A1D4A}" type="datetimeFigureOut">
               <a:rPr lang="de-DE" smtClean="0"/>
-              <a:t>31.05.2025</a:t>
+              <a:t>01.06.2025</a:t>
             </a:fld>
             <a:endParaRPr lang="de-DE"/>
           </a:p>
@@ -8247,6 +8361,2205 @@
     <p:extLst>
       <p:ext uri="{BB962C8B-B14F-4D97-AF65-F5344CB8AC3E}">
         <p14:creationId xmlns:p14="http://schemas.microsoft.com/office/powerpoint/2010/main" val="3094960138"/>
+      </p:ext>
+    </p:extLst>
+  </p:cSld>
+  <p:clrMapOvr>
+    <a:masterClrMapping/>
+  </p:clrMapOvr>
+</p:sld>
+</file>
+
+<file path=ppt/slides/slide3.xml><?xml version="1.0" encoding="utf-8"?>
+<p:sld xmlns:a="http://schemas.openxmlformats.org/drawingml/2006/main" xmlns:r="http://schemas.openxmlformats.org/officeDocument/2006/relationships" xmlns:p="http://schemas.openxmlformats.org/presentationml/2006/main">
+  <p:cSld>
+    <p:bg>
+      <p:bgPr>
+        <a:gradFill flip="none" rotWithShape="1">
+          <a:gsLst>
+            <a:gs pos="94000">
+              <a:srgbClr val="07675D">
+                <a:lumMod val="84000"/>
+              </a:srgbClr>
+            </a:gs>
+            <a:gs pos="0">
+              <a:srgbClr val="F7F2E9"/>
+            </a:gs>
+          </a:gsLst>
+          <a:lin ang="2700000" scaled="1"/>
+          <a:tileRect/>
+        </a:gradFill>
+        <a:effectLst/>
+      </p:bgPr>
+    </p:bg>
+    <p:spTree>
+      <p:nvGrpSpPr>
+        <p:cNvPr id="1" name="">
+          <a:extLst>
+            <a:ext uri="{FF2B5EF4-FFF2-40B4-BE49-F238E27FC236}">
+              <a16:creationId xmlns:a16="http://schemas.microsoft.com/office/drawing/2014/main" id="{367B6CD9-F3E5-8B4E-0083-A5929E7F82B6}"/>
+            </a:ext>
+          </a:extLst>
+        </p:cNvPr>
+        <p:cNvGrpSpPr/>
+        <p:nvPr/>
+      </p:nvGrpSpPr>
+      <p:grpSpPr>
+        <a:xfrm>
+          <a:off x="0" y="0"/>
+          <a:ext cx="0" cy="0"/>
+          <a:chOff x="0" y="0"/>
+          <a:chExt cx="0" cy="0"/>
+        </a:xfrm>
+      </p:grpSpPr>
+      <p:sp>
+        <p:nvSpPr>
+          <p:cNvPr id="6" name="Rechteck: abgerundete Ecken 5">
+            <a:extLst>
+              <a:ext uri="{FF2B5EF4-FFF2-40B4-BE49-F238E27FC236}">
+                <a16:creationId xmlns:a16="http://schemas.microsoft.com/office/drawing/2014/main" id="{5F165F93-8008-6353-C4C1-14F83FAAF0B0}"/>
+              </a:ext>
+            </a:extLst>
+          </p:cNvPr>
+          <p:cNvSpPr/>
+          <p:nvPr/>
+        </p:nvSpPr>
+        <p:spPr>
+          <a:xfrm>
+            <a:off x="109728" y="917842"/>
+            <a:ext cx="3512312" cy="2731930"/>
+          </a:xfrm>
+          <a:custGeom>
+            <a:avLst/>
+            <a:gdLst>
+              <a:gd name="connsiteX0" fmla="*/ 0 w 3507232"/>
+              <a:gd name="connsiteY0" fmla="*/ 453145 h 2718816"/>
+              <a:gd name="connsiteX1" fmla="*/ 453145 w 3507232"/>
+              <a:gd name="connsiteY1" fmla="*/ 0 h 2718816"/>
+              <a:gd name="connsiteX2" fmla="*/ 3054087 w 3507232"/>
+              <a:gd name="connsiteY2" fmla="*/ 0 h 2718816"/>
+              <a:gd name="connsiteX3" fmla="*/ 3507232 w 3507232"/>
+              <a:gd name="connsiteY3" fmla="*/ 453145 h 2718816"/>
+              <a:gd name="connsiteX4" fmla="*/ 3507232 w 3507232"/>
+              <a:gd name="connsiteY4" fmla="*/ 2265671 h 2718816"/>
+              <a:gd name="connsiteX5" fmla="*/ 3054087 w 3507232"/>
+              <a:gd name="connsiteY5" fmla="*/ 2718816 h 2718816"/>
+              <a:gd name="connsiteX6" fmla="*/ 453145 w 3507232"/>
+              <a:gd name="connsiteY6" fmla="*/ 2718816 h 2718816"/>
+              <a:gd name="connsiteX7" fmla="*/ 0 w 3507232"/>
+              <a:gd name="connsiteY7" fmla="*/ 2265671 h 2718816"/>
+              <a:gd name="connsiteX8" fmla="*/ 0 w 3507232"/>
+              <a:gd name="connsiteY8" fmla="*/ 453145 h 2718816"/>
+              <a:gd name="connsiteX0" fmla="*/ 0 w 3507232"/>
+              <a:gd name="connsiteY0" fmla="*/ 234895 h 2719006"/>
+              <a:gd name="connsiteX1" fmla="*/ 453145 w 3507232"/>
+              <a:gd name="connsiteY1" fmla="*/ 190 h 2719006"/>
+              <a:gd name="connsiteX2" fmla="*/ 3054087 w 3507232"/>
+              <a:gd name="connsiteY2" fmla="*/ 190 h 2719006"/>
+              <a:gd name="connsiteX3" fmla="*/ 3507232 w 3507232"/>
+              <a:gd name="connsiteY3" fmla="*/ 453335 h 2719006"/>
+              <a:gd name="connsiteX4" fmla="*/ 3507232 w 3507232"/>
+              <a:gd name="connsiteY4" fmla="*/ 2265861 h 2719006"/>
+              <a:gd name="connsiteX5" fmla="*/ 3054087 w 3507232"/>
+              <a:gd name="connsiteY5" fmla="*/ 2719006 h 2719006"/>
+              <a:gd name="connsiteX6" fmla="*/ 453145 w 3507232"/>
+              <a:gd name="connsiteY6" fmla="*/ 2719006 h 2719006"/>
+              <a:gd name="connsiteX7" fmla="*/ 0 w 3507232"/>
+              <a:gd name="connsiteY7" fmla="*/ 2265861 h 2719006"/>
+              <a:gd name="connsiteX8" fmla="*/ 0 w 3507232"/>
+              <a:gd name="connsiteY8" fmla="*/ 234895 h 2719006"/>
+              <a:gd name="connsiteX0" fmla="*/ 0 w 3507232"/>
+              <a:gd name="connsiteY0" fmla="*/ 234705 h 2718816"/>
+              <a:gd name="connsiteX1" fmla="*/ 351545 w 3507232"/>
+              <a:gd name="connsiteY1" fmla="*/ 5080 h 2718816"/>
+              <a:gd name="connsiteX2" fmla="*/ 3054087 w 3507232"/>
+              <a:gd name="connsiteY2" fmla="*/ 0 h 2718816"/>
+              <a:gd name="connsiteX3" fmla="*/ 3507232 w 3507232"/>
+              <a:gd name="connsiteY3" fmla="*/ 453145 h 2718816"/>
+              <a:gd name="connsiteX4" fmla="*/ 3507232 w 3507232"/>
+              <a:gd name="connsiteY4" fmla="*/ 2265671 h 2718816"/>
+              <a:gd name="connsiteX5" fmla="*/ 3054087 w 3507232"/>
+              <a:gd name="connsiteY5" fmla="*/ 2718816 h 2718816"/>
+              <a:gd name="connsiteX6" fmla="*/ 453145 w 3507232"/>
+              <a:gd name="connsiteY6" fmla="*/ 2718816 h 2718816"/>
+              <a:gd name="connsiteX7" fmla="*/ 0 w 3507232"/>
+              <a:gd name="connsiteY7" fmla="*/ 2265671 h 2718816"/>
+              <a:gd name="connsiteX8" fmla="*/ 0 w 3507232"/>
+              <a:gd name="connsiteY8" fmla="*/ 234705 h 2718816"/>
+              <a:gd name="connsiteX0" fmla="*/ 0 w 3507232"/>
+              <a:gd name="connsiteY0" fmla="*/ 230039 h 2714150"/>
+              <a:gd name="connsiteX1" fmla="*/ 351545 w 3507232"/>
+              <a:gd name="connsiteY1" fmla="*/ 414 h 2714150"/>
+              <a:gd name="connsiteX2" fmla="*/ 3247127 w 3507232"/>
+              <a:gd name="connsiteY2" fmla="*/ 414 h 2714150"/>
+              <a:gd name="connsiteX3" fmla="*/ 3507232 w 3507232"/>
+              <a:gd name="connsiteY3" fmla="*/ 448479 h 2714150"/>
+              <a:gd name="connsiteX4" fmla="*/ 3507232 w 3507232"/>
+              <a:gd name="connsiteY4" fmla="*/ 2261005 h 2714150"/>
+              <a:gd name="connsiteX5" fmla="*/ 3054087 w 3507232"/>
+              <a:gd name="connsiteY5" fmla="*/ 2714150 h 2714150"/>
+              <a:gd name="connsiteX6" fmla="*/ 453145 w 3507232"/>
+              <a:gd name="connsiteY6" fmla="*/ 2714150 h 2714150"/>
+              <a:gd name="connsiteX7" fmla="*/ 0 w 3507232"/>
+              <a:gd name="connsiteY7" fmla="*/ 2261005 h 2714150"/>
+              <a:gd name="connsiteX8" fmla="*/ 0 w 3507232"/>
+              <a:gd name="connsiteY8" fmla="*/ 230039 h 2714150"/>
+              <a:gd name="connsiteX0" fmla="*/ 0 w 3512312"/>
+              <a:gd name="connsiteY0" fmla="*/ 230039 h 2714150"/>
+              <a:gd name="connsiteX1" fmla="*/ 351545 w 3512312"/>
+              <a:gd name="connsiteY1" fmla="*/ 414 h 2714150"/>
+              <a:gd name="connsiteX2" fmla="*/ 3247127 w 3512312"/>
+              <a:gd name="connsiteY2" fmla="*/ 414 h 2714150"/>
+              <a:gd name="connsiteX3" fmla="*/ 3512312 w 3512312"/>
+              <a:gd name="connsiteY3" fmla="*/ 283379 h 2714150"/>
+              <a:gd name="connsiteX4" fmla="*/ 3507232 w 3512312"/>
+              <a:gd name="connsiteY4" fmla="*/ 2261005 h 2714150"/>
+              <a:gd name="connsiteX5" fmla="*/ 3054087 w 3512312"/>
+              <a:gd name="connsiteY5" fmla="*/ 2714150 h 2714150"/>
+              <a:gd name="connsiteX6" fmla="*/ 453145 w 3512312"/>
+              <a:gd name="connsiteY6" fmla="*/ 2714150 h 2714150"/>
+              <a:gd name="connsiteX7" fmla="*/ 0 w 3512312"/>
+              <a:gd name="connsiteY7" fmla="*/ 2261005 h 2714150"/>
+              <a:gd name="connsiteX8" fmla="*/ 0 w 3512312"/>
+              <a:gd name="connsiteY8" fmla="*/ 230039 h 2714150"/>
+              <a:gd name="connsiteX0" fmla="*/ 0 w 3512312"/>
+              <a:gd name="connsiteY0" fmla="*/ 230039 h 2719230"/>
+              <a:gd name="connsiteX1" fmla="*/ 351545 w 3512312"/>
+              <a:gd name="connsiteY1" fmla="*/ 414 h 2719230"/>
+              <a:gd name="connsiteX2" fmla="*/ 3247127 w 3512312"/>
+              <a:gd name="connsiteY2" fmla="*/ 414 h 2719230"/>
+              <a:gd name="connsiteX3" fmla="*/ 3512312 w 3512312"/>
+              <a:gd name="connsiteY3" fmla="*/ 283379 h 2719230"/>
+              <a:gd name="connsiteX4" fmla="*/ 3507232 w 3512312"/>
+              <a:gd name="connsiteY4" fmla="*/ 2261005 h 2719230"/>
+              <a:gd name="connsiteX5" fmla="*/ 3303007 w 3512312"/>
+              <a:gd name="connsiteY5" fmla="*/ 2719230 h 2719230"/>
+              <a:gd name="connsiteX6" fmla="*/ 453145 w 3512312"/>
+              <a:gd name="connsiteY6" fmla="*/ 2714150 h 2719230"/>
+              <a:gd name="connsiteX7" fmla="*/ 0 w 3512312"/>
+              <a:gd name="connsiteY7" fmla="*/ 2261005 h 2719230"/>
+              <a:gd name="connsiteX8" fmla="*/ 0 w 3512312"/>
+              <a:gd name="connsiteY8" fmla="*/ 230039 h 2719230"/>
+              <a:gd name="connsiteX0" fmla="*/ 0 w 3512312"/>
+              <a:gd name="connsiteY0" fmla="*/ 230039 h 2719230"/>
+              <a:gd name="connsiteX1" fmla="*/ 351545 w 3512312"/>
+              <a:gd name="connsiteY1" fmla="*/ 414 h 2719230"/>
+              <a:gd name="connsiteX2" fmla="*/ 3247127 w 3512312"/>
+              <a:gd name="connsiteY2" fmla="*/ 414 h 2719230"/>
+              <a:gd name="connsiteX3" fmla="*/ 3512312 w 3512312"/>
+              <a:gd name="connsiteY3" fmla="*/ 283379 h 2719230"/>
+              <a:gd name="connsiteX4" fmla="*/ 3504692 w 3512312"/>
+              <a:gd name="connsiteY4" fmla="*/ 2352445 h 2719230"/>
+              <a:gd name="connsiteX5" fmla="*/ 3303007 w 3512312"/>
+              <a:gd name="connsiteY5" fmla="*/ 2719230 h 2719230"/>
+              <a:gd name="connsiteX6" fmla="*/ 453145 w 3512312"/>
+              <a:gd name="connsiteY6" fmla="*/ 2714150 h 2719230"/>
+              <a:gd name="connsiteX7" fmla="*/ 0 w 3512312"/>
+              <a:gd name="connsiteY7" fmla="*/ 2261005 h 2719230"/>
+              <a:gd name="connsiteX8" fmla="*/ 0 w 3512312"/>
+              <a:gd name="connsiteY8" fmla="*/ 230039 h 2719230"/>
+              <a:gd name="connsiteX0" fmla="*/ 0 w 3512312"/>
+              <a:gd name="connsiteY0" fmla="*/ 230039 h 2719230"/>
+              <a:gd name="connsiteX1" fmla="*/ 351545 w 3512312"/>
+              <a:gd name="connsiteY1" fmla="*/ 414 h 2719230"/>
+              <a:gd name="connsiteX2" fmla="*/ 3247127 w 3512312"/>
+              <a:gd name="connsiteY2" fmla="*/ 414 h 2719230"/>
+              <a:gd name="connsiteX3" fmla="*/ 3512312 w 3512312"/>
+              <a:gd name="connsiteY3" fmla="*/ 283379 h 2719230"/>
+              <a:gd name="connsiteX4" fmla="*/ 3504692 w 3512312"/>
+              <a:gd name="connsiteY4" fmla="*/ 2352445 h 2719230"/>
+              <a:gd name="connsiteX5" fmla="*/ 3282687 w 3512312"/>
+              <a:gd name="connsiteY5" fmla="*/ 2719230 h 2719230"/>
+              <a:gd name="connsiteX6" fmla="*/ 453145 w 3512312"/>
+              <a:gd name="connsiteY6" fmla="*/ 2714150 h 2719230"/>
+              <a:gd name="connsiteX7" fmla="*/ 0 w 3512312"/>
+              <a:gd name="connsiteY7" fmla="*/ 2261005 h 2719230"/>
+              <a:gd name="connsiteX8" fmla="*/ 0 w 3512312"/>
+              <a:gd name="connsiteY8" fmla="*/ 230039 h 2719230"/>
+              <a:gd name="connsiteX0" fmla="*/ 0 w 3512312"/>
+              <a:gd name="connsiteY0" fmla="*/ 230039 h 2731930"/>
+              <a:gd name="connsiteX1" fmla="*/ 351545 w 3512312"/>
+              <a:gd name="connsiteY1" fmla="*/ 414 h 2731930"/>
+              <a:gd name="connsiteX2" fmla="*/ 3247127 w 3512312"/>
+              <a:gd name="connsiteY2" fmla="*/ 414 h 2731930"/>
+              <a:gd name="connsiteX3" fmla="*/ 3512312 w 3512312"/>
+              <a:gd name="connsiteY3" fmla="*/ 283379 h 2731930"/>
+              <a:gd name="connsiteX4" fmla="*/ 3504692 w 3512312"/>
+              <a:gd name="connsiteY4" fmla="*/ 2352445 h 2731930"/>
+              <a:gd name="connsiteX5" fmla="*/ 3264907 w 3512312"/>
+              <a:gd name="connsiteY5" fmla="*/ 2731930 h 2731930"/>
+              <a:gd name="connsiteX6" fmla="*/ 453145 w 3512312"/>
+              <a:gd name="connsiteY6" fmla="*/ 2714150 h 2731930"/>
+              <a:gd name="connsiteX7" fmla="*/ 0 w 3512312"/>
+              <a:gd name="connsiteY7" fmla="*/ 2261005 h 2731930"/>
+              <a:gd name="connsiteX8" fmla="*/ 0 w 3512312"/>
+              <a:gd name="connsiteY8" fmla="*/ 230039 h 2731930"/>
+              <a:gd name="connsiteX0" fmla="*/ 0 w 3512312"/>
+              <a:gd name="connsiteY0" fmla="*/ 230039 h 2731930"/>
+              <a:gd name="connsiteX1" fmla="*/ 351545 w 3512312"/>
+              <a:gd name="connsiteY1" fmla="*/ 414 h 2731930"/>
+              <a:gd name="connsiteX2" fmla="*/ 3247127 w 3512312"/>
+              <a:gd name="connsiteY2" fmla="*/ 414 h 2731930"/>
+              <a:gd name="connsiteX3" fmla="*/ 3512312 w 3512312"/>
+              <a:gd name="connsiteY3" fmla="*/ 283379 h 2731930"/>
+              <a:gd name="connsiteX4" fmla="*/ 3507232 w 3512312"/>
+              <a:gd name="connsiteY4" fmla="*/ 2418485 h 2731930"/>
+              <a:gd name="connsiteX5" fmla="*/ 3264907 w 3512312"/>
+              <a:gd name="connsiteY5" fmla="*/ 2731930 h 2731930"/>
+              <a:gd name="connsiteX6" fmla="*/ 453145 w 3512312"/>
+              <a:gd name="connsiteY6" fmla="*/ 2714150 h 2731930"/>
+              <a:gd name="connsiteX7" fmla="*/ 0 w 3512312"/>
+              <a:gd name="connsiteY7" fmla="*/ 2261005 h 2731930"/>
+              <a:gd name="connsiteX8" fmla="*/ 0 w 3512312"/>
+              <a:gd name="connsiteY8" fmla="*/ 230039 h 2731930"/>
+              <a:gd name="connsiteX0" fmla="*/ 0 w 3512312"/>
+              <a:gd name="connsiteY0" fmla="*/ 230039 h 2731930"/>
+              <a:gd name="connsiteX1" fmla="*/ 351545 w 3512312"/>
+              <a:gd name="connsiteY1" fmla="*/ 414 h 2731930"/>
+              <a:gd name="connsiteX2" fmla="*/ 3247127 w 3512312"/>
+              <a:gd name="connsiteY2" fmla="*/ 414 h 2731930"/>
+              <a:gd name="connsiteX3" fmla="*/ 3512312 w 3512312"/>
+              <a:gd name="connsiteY3" fmla="*/ 283379 h 2731930"/>
+              <a:gd name="connsiteX4" fmla="*/ 3507232 w 3512312"/>
+              <a:gd name="connsiteY4" fmla="*/ 2418485 h 2731930"/>
+              <a:gd name="connsiteX5" fmla="*/ 3264907 w 3512312"/>
+              <a:gd name="connsiteY5" fmla="*/ 2731930 h 2731930"/>
+              <a:gd name="connsiteX6" fmla="*/ 453145 w 3512312"/>
+              <a:gd name="connsiteY6" fmla="*/ 2714150 h 2731930"/>
+              <a:gd name="connsiteX7" fmla="*/ 0 w 3512312"/>
+              <a:gd name="connsiteY7" fmla="*/ 2455315 h 2731930"/>
+              <a:gd name="connsiteX8" fmla="*/ 0 w 3512312"/>
+              <a:gd name="connsiteY8" fmla="*/ 230039 h 2731930"/>
+              <a:gd name="connsiteX0" fmla="*/ 0 w 3512312"/>
+              <a:gd name="connsiteY0" fmla="*/ 230039 h 2731930"/>
+              <a:gd name="connsiteX1" fmla="*/ 351545 w 3512312"/>
+              <a:gd name="connsiteY1" fmla="*/ 414 h 2731930"/>
+              <a:gd name="connsiteX2" fmla="*/ 3247127 w 3512312"/>
+              <a:gd name="connsiteY2" fmla="*/ 414 h 2731930"/>
+              <a:gd name="connsiteX3" fmla="*/ 3512312 w 3512312"/>
+              <a:gd name="connsiteY3" fmla="*/ 283379 h 2731930"/>
+              <a:gd name="connsiteX4" fmla="*/ 3507232 w 3512312"/>
+              <a:gd name="connsiteY4" fmla="*/ 2418485 h 2731930"/>
+              <a:gd name="connsiteX5" fmla="*/ 3264907 w 3512312"/>
+              <a:gd name="connsiteY5" fmla="*/ 2731930 h 2731930"/>
+              <a:gd name="connsiteX6" fmla="*/ 298840 w 3512312"/>
+              <a:gd name="connsiteY6" fmla="*/ 2717960 h 2731930"/>
+              <a:gd name="connsiteX7" fmla="*/ 0 w 3512312"/>
+              <a:gd name="connsiteY7" fmla="*/ 2455315 h 2731930"/>
+              <a:gd name="connsiteX8" fmla="*/ 0 w 3512312"/>
+              <a:gd name="connsiteY8" fmla="*/ 230039 h 2731930"/>
+            </a:gdLst>
+            <a:ahLst/>
+            <a:cxnLst>
+              <a:cxn ang="0">
+                <a:pos x="connsiteX0" y="connsiteY0"/>
+              </a:cxn>
+              <a:cxn ang="0">
+                <a:pos x="connsiteX1" y="connsiteY1"/>
+              </a:cxn>
+              <a:cxn ang="0">
+                <a:pos x="connsiteX2" y="connsiteY2"/>
+              </a:cxn>
+              <a:cxn ang="0">
+                <a:pos x="connsiteX3" y="connsiteY3"/>
+              </a:cxn>
+              <a:cxn ang="0">
+                <a:pos x="connsiteX4" y="connsiteY4"/>
+              </a:cxn>
+              <a:cxn ang="0">
+                <a:pos x="connsiteX5" y="connsiteY5"/>
+              </a:cxn>
+              <a:cxn ang="0">
+                <a:pos x="connsiteX6" y="connsiteY6"/>
+              </a:cxn>
+              <a:cxn ang="0">
+                <a:pos x="connsiteX7" y="connsiteY7"/>
+              </a:cxn>
+              <a:cxn ang="0">
+                <a:pos x="connsiteX8" y="connsiteY8"/>
+              </a:cxn>
+            </a:cxnLst>
+            <a:rect l="l" t="t" r="r" b="b"/>
+            <a:pathLst>
+              <a:path w="3512312" h="2731930">
+                <a:moveTo>
+                  <a:pt x="0" y="230039"/>
+                </a:moveTo>
+                <a:cubicBezTo>
+                  <a:pt x="0" y="-20226"/>
+                  <a:pt x="101280" y="414"/>
+                  <a:pt x="351545" y="414"/>
+                </a:cubicBezTo>
+                <a:lnTo>
+                  <a:pt x="3247127" y="414"/>
+                </a:lnTo>
+                <a:cubicBezTo>
+                  <a:pt x="3497392" y="414"/>
+                  <a:pt x="3512312" y="33114"/>
+                  <a:pt x="3512312" y="283379"/>
+                </a:cubicBezTo>
+                <a:cubicBezTo>
+                  <a:pt x="3510619" y="942588"/>
+                  <a:pt x="3508925" y="1759276"/>
+                  <a:pt x="3507232" y="2418485"/>
+                </a:cubicBezTo>
+                <a:cubicBezTo>
+                  <a:pt x="3507232" y="2668750"/>
+                  <a:pt x="3515172" y="2731930"/>
+                  <a:pt x="3264907" y="2731930"/>
+                </a:cubicBezTo>
+                <a:lnTo>
+                  <a:pt x="298840" y="2717960"/>
+                </a:lnTo>
+                <a:cubicBezTo>
+                  <a:pt x="48575" y="2717960"/>
+                  <a:pt x="0" y="2705580"/>
+                  <a:pt x="0" y="2455315"/>
+                </a:cubicBezTo>
+                <a:lnTo>
+                  <a:pt x="0" y="230039"/>
+                </a:lnTo>
+                <a:close/>
+              </a:path>
+            </a:pathLst>
+          </a:custGeom>
+          <a:solidFill>
+            <a:srgbClr val="ABC7A9"/>
+          </a:solidFill>
+          <a:ln>
+            <a:noFill/>
+          </a:ln>
+          <a:effectLst/>
+          <a:scene3d>
+            <a:camera prst="orthographicFront"/>
+            <a:lightRig rig="threePt" dir="t"/>
+          </a:scene3d>
+          <a:sp3d>
+            <a:bevelT/>
+          </a:sp3d>
+        </p:spPr>
+        <p:style>
+          <a:lnRef idx="2">
+            <a:schemeClr val="accent1">
+              <a:shade val="15000"/>
+            </a:schemeClr>
+          </a:lnRef>
+          <a:fillRef idx="1">
+            <a:schemeClr val="accent1"/>
+          </a:fillRef>
+          <a:effectRef idx="0">
+            <a:schemeClr val="accent1"/>
+          </a:effectRef>
+          <a:fontRef idx="minor">
+            <a:schemeClr val="lt1"/>
+          </a:fontRef>
+        </p:style>
+        <p:txBody>
+          <a:bodyPr rtlCol="0" anchor="ctr"/>
+          <a:lstStyle/>
+          <a:p>
+            <a:pPr algn="ctr"/>
+            <a:endParaRPr lang="de-DE"/>
+          </a:p>
+        </p:txBody>
+      </p:sp>
+      <p:sp>
+        <p:nvSpPr>
+          <p:cNvPr id="8" name="Rechteck: abgerundete Ecken 5">
+            <a:extLst>
+              <a:ext uri="{FF2B5EF4-FFF2-40B4-BE49-F238E27FC236}">
+                <a16:creationId xmlns:a16="http://schemas.microsoft.com/office/drawing/2014/main" id="{55BB2C81-51CE-4CFE-9B48-0F0E0CF7A96E}"/>
+              </a:ext>
+            </a:extLst>
+          </p:cNvPr>
+          <p:cNvSpPr/>
+          <p:nvPr/>
+        </p:nvSpPr>
+        <p:spPr>
+          <a:xfrm>
+            <a:off x="3729284" y="93680"/>
+            <a:ext cx="3203800" cy="3556092"/>
+          </a:xfrm>
+          <a:custGeom>
+            <a:avLst/>
+            <a:gdLst>
+              <a:gd name="connsiteX0" fmla="*/ 0 w 3507232"/>
+              <a:gd name="connsiteY0" fmla="*/ 453145 h 2718816"/>
+              <a:gd name="connsiteX1" fmla="*/ 453145 w 3507232"/>
+              <a:gd name="connsiteY1" fmla="*/ 0 h 2718816"/>
+              <a:gd name="connsiteX2" fmla="*/ 3054087 w 3507232"/>
+              <a:gd name="connsiteY2" fmla="*/ 0 h 2718816"/>
+              <a:gd name="connsiteX3" fmla="*/ 3507232 w 3507232"/>
+              <a:gd name="connsiteY3" fmla="*/ 453145 h 2718816"/>
+              <a:gd name="connsiteX4" fmla="*/ 3507232 w 3507232"/>
+              <a:gd name="connsiteY4" fmla="*/ 2265671 h 2718816"/>
+              <a:gd name="connsiteX5" fmla="*/ 3054087 w 3507232"/>
+              <a:gd name="connsiteY5" fmla="*/ 2718816 h 2718816"/>
+              <a:gd name="connsiteX6" fmla="*/ 453145 w 3507232"/>
+              <a:gd name="connsiteY6" fmla="*/ 2718816 h 2718816"/>
+              <a:gd name="connsiteX7" fmla="*/ 0 w 3507232"/>
+              <a:gd name="connsiteY7" fmla="*/ 2265671 h 2718816"/>
+              <a:gd name="connsiteX8" fmla="*/ 0 w 3507232"/>
+              <a:gd name="connsiteY8" fmla="*/ 453145 h 2718816"/>
+              <a:gd name="connsiteX0" fmla="*/ 0 w 3507232"/>
+              <a:gd name="connsiteY0" fmla="*/ 234895 h 2719006"/>
+              <a:gd name="connsiteX1" fmla="*/ 453145 w 3507232"/>
+              <a:gd name="connsiteY1" fmla="*/ 190 h 2719006"/>
+              <a:gd name="connsiteX2" fmla="*/ 3054087 w 3507232"/>
+              <a:gd name="connsiteY2" fmla="*/ 190 h 2719006"/>
+              <a:gd name="connsiteX3" fmla="*/ 3507232 w 3507232"/>
+              <a:gd name="connsiteY3" fmla="*/ 453335 h 2719006"/>
+              <a:gd name="connsiteX4" fmla="*/ 3507232 w 3507232"/>
+              <a:gd name="connsiteY4" fmla="*/ 2265861 h 2719006"/>
+              <a:gd name="connsiteX5" fmla="*/ 3054087 w 3507232"/>
+              <a:gd name="connsiteY5" fmla="*/ 2719006 h 2719006"/>
+              <a:gd name="connsiteX6" fmla="*/ 453145 w 3507232"/>
+              <a:gd name="connsiteY6" fmla="*/ 2719006 h 2719006"/>
+              <a:gd name="connsiteX7" fmla="*/ 0 w 3507232"/>
+              <a:gd name="connsiteY7" fmla="*/ 2265861 h 2719006"/>
+              <a:gd name="connsiteX8" fmla="*/ 0 w 3507232"/>
+              <a:gd name="connsiteY8" fmla="*/ 234895 h 2719006"/>
+              <a:gd name="connsiteX0" fmla="*/ 0 w 3507232"/>
+              <a:gd name="connsiteY0" fmla="*/ 234705 h 2718816"/>
+              <a:gd name="connsiteX1" fmla="*/ 351545 w 3507232"/>
+              <a:gd name="connsiteY1" fmla="*/ 5080 h 2718816"/>
+              <a:gd name="connsiteX2" fmla="*/ 3054087 w 3507232"/>
+              <a:gd name="connsiteY2" fmla="*/ 0 h 2718816"/>
+              <a:gd name="connsiteX3" fmla="*/ 3507232 w 3507232"/>
+              <a:gd name="connsiteY3" fmla="*/ 453145 h 2718816"/>
+              <a:gd name="connsiteX4" fmla="*/ 3507232 w 3507232"/>
+              <a:gd name="connsiteY4" fmla="*/ 2265671 h 2718816"/>
+              <a:gd name="connsiteX5" fmla="*/ 3054087 w 3507232"/>
+              <a:gd name="connsiteY5" fmla="*/ 2718816 h 2718816"/>
+              <a:gd name="connsiteX6" fmla="*/ 453145 w 3507232"/>
+              <a:gd name="connsiteY6" fmla="*/ 2718816 h 2718816"/>
+              <a:gd name="connsiteX7" fmla="*/ 0 w 3507232"/>
+              <a:gd name="connsiteY7" fmla="*/ 2265671 h 2718816"/>
+              <a:gd name="connsiteX8" fmla="*/ 0 w 3507232"/>
+              <a:gd name="connsiteY8" fmla="*/ 234705 h 2718816"/>
+              <a:gd name="connsiteX0" fmla="*/ 0 w 3507232"/>
+              <a:gd name="connsiteY0" fmla="*/ 230039 h 2714150"/>
+              <a:gd name="connsiteX1" fmla="*/ 351545 w 3507232"/>
+              <a:gd name="connsiteY1" fmla="*/ 414 h 2714150"/>
+              <a:gd name="connsiteX2" fmla="*/ 3247127 w 3507232"/>
+              <a:gd name="connsiteY2" fmla="*/ 414 h 2714150"/>
+              <a:gd name="connsiteX3" fmla="*/ 3507232 w 3507232"/>
+              <a:gd name="connsiteY3" fmla="*/ 448479 h 2714150"/>
+              <a:gd name="connsiteX4" fmla="*/ 3507232 w 3507232"/>
+              <a:gd name="connsiteY4" fmla="*/ 2261005 h 2714150"/>
+              <a:gd name="connsiteX5" fmla="*/ 3054087 w 3507232"/>
+              <a:gd name="connsiteY5" fmla="*/ 2714150 h 2714150"/>
+              <a:gd name="connsiteX6" fmla="*/ 453145 w 3507232"/>
+              <a:gd name="connsiteY6" fmla="*/ 2714150 h 2714150"/>
+              <a:gd name="connsiteX7" fmla="*/ 0 w 3507232"/>
+              <a:gd name="connsiteY7" fmla="*/ 2261005 h 2714150"/>
+              <a:gd name="connsiteX8" fmla="*/ 0 w 3507232"/>
+              <a:gd name="connsiteY8" fmla="*/ 230039 h 2714150"/>
+              <a:gd name="connsiteX0" fmla="*/ 0 w 3512312"/>
+              <a:gd name="connsiteY0" fmla="*/ 230039 h 2714150"/>
+              <a:gd name="connsiteX1" fmla="*/ 351545 w 3512312"/>
+              <a:gd name="connsiteY1" fmla="*/ 414 h 2714150"/>
+              <a:gd name="connsiteX2" fmla="*/ 3247127 w 3512312"/>
+              <a:gd name="connsiteY2" fmla="*/ 414 h 2714150"/>
+              <a:gd name="connsiteX3" fmla="*/ 3512312 w 3512312"/>
+              <a:gd name="connsiteY3" fmla="*/ 283379 h 2714150"/>
+              <a:gd name="connsiteX4" fmla="*/ 3507232 w 3512312"/>
+              <a:gd name="connsiteY4" fmla="*/ 2261005 h 2714150"/>
+              <a:gd name="connsiteX5" fmla="*/ 3054087 w 3512312"/>
+              <a:gd name="connsiteY5" fmla="*/ 2714150 h 2714150"/>
+              <a:gd name="connsiteX6" fmla="*/ 453145 w 3512312"/>
+              <a:gd name="connsiteY6" fmla="*/ 2714150 h 2714150"/>
+              <a:gd name="connsiteX7" fmla="*/ 0 w 3512312"/>
+              <a:gd name="connsiteY7" fmla="*/ 2261005 h 2714150"/>
+              <a:gd name="connsiteX8" fmla="*/ 0 w 3512312"/>
+              <a:gd name="connsiteY8" fmla="*/ 230039 h 2714150"/>
+              <a:gd name="connsiteX0" fmla="*/ 0 w 3512312"/>
+              <a:gd name="connsiteY0" fmla="*/ 230039 h 2719230"/>
+              <a:gd name="connsiteX1" fmla="*/ 351545 w 3512312"/>
+              <a:gd name="connsiteY1" fmla="*/ 414 h 2719230"/>
+              <a:gd name="connsiteX2" fmla="*/ 3247127 w 3512312"/>
+              <a:gd name="connsiteY2" fmla="*/ 414 h 2719230"/>
+              <a:gd name="connsiteX3" fmla="*/ 3512312 w 3512312"/>
+              <a:gd name="connsiteY3" fmla="*/ 283379 h 2719230"/>
+              <a:gd name="connsiteX4" fmla="*/ 3507232 w 3512312"/>
+              <a:gd name="connsiteY4" fmla="*/ 2261005 h 2719230"/>
+              <a:gd name="connsiteX5" fmla="*/ 3303007 w 3512312"/>
+              <a:gd name="connsiteY5" fmla="*/ 2719230 h 2719230"/>
+              <a:gd name="connsiteX6" fmla="*/ 453145 w 3512312"/>
+              <a:gd name="connsiteY6" fmla="*/ 2714150 h 2719230"/>
+              <a:gd name="connsiteX7" fmla="*/ 0 w 3512312"/>
+              <a:gd name="connsiteY7" fmla="*/ 2261005 h 2719230"/>
+              <a:gd name="connsiteX8" fmla="*/ 0 w 3512312"/>
+              <a:gd name="connsiteY8" fmla="*/ 230039 h 2719230"/>
+              <a:gd name="connsiteX0" fmla="*/ 0 w 3512312"/>
+              <a:gd name="connsiteY0" fmla="*/ 230039 h 2719230"/>
+              <a:gd name="connsiteX1" fmla="*/ 351545 w 3512312"/>
+              <a:gd name="connsiteY1" fmla="*/ 414 h 2719230"/>
+              <a:gd name="connsiteX2" fmla="*/ 3247127 w 3512312"/>
+              <a:gd name="connsiteY2" fmla="*/ 414 h 2719230"/>
+              <a:gd name="connsiteX3" fmla="*/ 3512312 w 3512312"/>
+              <a:gd name="connsiteY3" fmla="*/ 283379 h 2719230"/>
+              <a:gd name="connsiteX4" fmla="*/ 3504692 w 3512312"/>
+              <a:gd name="connsiteY4" fmla="*/ 2352445 h 2719230"/>
+              <a:gd name="connsiteX5" fmla="*/ 3303007 w 3512312"/>
+              <a:gd name="connsiteY5" fmla="*/ 2719230 h 2719230"/>
+              <a:gd name="connsiteX6" fmla="*/ 453145 w 3512312"/>
+              <a:gd name="connsiteY6" fmla="*/ 2714150 h 2719230"/>
+              <a:gd name="connsiteX7" fmla="*/ 0 w 3512312"/>
+              <a:gd name="connsiteY7" fmla="*/ 2261005 h 2719230"/>
+              <a:gd name="connsiteX8" fmla="*/ 0 w 3512312"/>
+              <a:gd name="connsiteY8" fmla="*/ 230039 h 2719230"/>
+              <a:gd name="connsiteX0" fmla="*/ 0 w 3512312"/>
+              <a:gd name="connsiteY0" fmla="*/ 230039 h 2719230"/>
+              <a:gd name="connsiteX1" fmla="*/ 351545 w 3512312"/>
+              <a:gd name="connsiteY1" fmla="*/ 414 h 2719230"/>
+              <a:gd name="connsiteX2" fmla="*/ 3247127 w 3512312"/>
+              <a:gd name="connsiteY2" fmla="*/ 414 h 2719230"/>
+              <a:gd name="connsiteX3" fmla="*/ 3512312 w 3512312"/>
+              <a:gd name="connsiteY3" fmla="*/ 283379 h 2719230"/>
+              <a:gd name="connsiteX4" fmla="*/ 3504692 w 3512312"/>
+              <a:gd name="connsiteY4" fmla="*/ 2352445 h 2719230"/>
+              <a:gd name="connsiteX5" fmla="*/ 3282687 w 3512312"/>
+              <a:gd name="connsiteY5" fmla="*/ 2719230 h 2719230"/>
+              <a:gd name="connsiteX6" fmla="*/ 453145 w 3512312"/>
+              <a:gd name="connsiteY6" fmla="*/ 2714150 h 2719230"/>
+              <a:gd name="connsiteX7" fmla="*/ 0 w 3512312"/>
+              <a:gd name="connsiteY7" fmla="*/ 2261005 h 2719230"/>
+              <a:gd name="connsiteX8" fmla="*/ 0 w 3512312"/>
+              <a:gd name="connsiteY8" fmla="*/ 230039 h 2719230"/>
+              <a:gd name="connsiteX0" fmla="*/ 0 w 3512312"/>
+              <a:gd name="connsiteY0" fmla="*/ 230039 h 2731930"/>
+              <a:gd name="connsiteX1" fmla="*/ 351545 w 3512312"/>
+              <a:gd name="connsiteY1" fmla="*/ 414 h 2731930"/>
+              <a:gd name="connsiteX2" fmla="*/ 3247127 w 3512312"/>
+              <a:gd name="connsiteY2" fmla="*/ 414 h 2731930"/>
+              <a:gd name="connsiteX3" fmla="*/ 3512312 w 3512312"/>
+              <a:gd name="connsiteY3" fmla="*/ 283379 h 2731930"/>
+              <a:gd name="connsiteX4" fmla="*/ 3504692 w 3512312"/>
+              <a:gd name="connsiteY4" fmla="*/ 2352445 h 2731930"/>
+              <a:gd name="connsiteX5" fmla="*/ 3264907 w 3512312"/>
+              <a:gd name="connsiteY5" fmla="*/ 2731930 h 2731930"/>
+              <a:gd name="connsiteX6" fmla="*/ 453145 w 3512312"/>
+              <a:gd name="connsiteY6" fmla="*/ 2714150 h 2731930"/>
+              <a:gd name="connsiteX7" fmla="*/ 0 w 3512312"/>
+              <a:gd name="connsiteY7" fmla="*/ 2261005 h 2731930"/>
+              <a:gd name="connsiteX8" fmla="*/ 0 w 3512312"/>
+              <a:gd name="connsiteY8" fmla="*/ 230039 h 2731930"/>
+              <a:gd name="connsiteX0" fmla="*/ 0 w 3512312"/>
+              <a:gd name="connsiteY0" fmla="*/ 230039 h 2731930"/>
+              <a:gd name="connsiteX1" fmla="*/ 351545 w 3512312"/>
+              <a:gd name="connsiteY1" fmla="*/ 414 h 2731930"/>
+              <a:gd name="connsiteX2" fmla="*/ 3247127 w 3512312"/>
+              <a:gd name="connsiteY2" fmla="*/ 414 h 2731930"/>
+              <a:gd name="connsiteX3" fmla="*/ 3512312 w 3512312"/>
+              <a:gd name="connsiteY3" fmla="*/ 283379 h 2731930"/>
+              <a:gd name="connsiteX4" fmla="*/ 3507232 w 3512312"/>
+              <a:gd name="connsiteY4" fmla="*/ 2418485 h 2731930"/>
+              <a:gd name="connsiteX5" fmla="*/ 3264907 w 3512312"/>
+              <a:gd name="connsiteY5" fmla="*/ 2731930 h 2731930"/>
+              <a:gd name="connsiteX6" fmla="*/ 453145 w 3512312"/>
+              <a:gd name="connsiteY6" fmla="*/ 2714150 h 2731930"/>
+              <a:gd name="connsiteX7" fmla="*/ 0 w 3512312"/>
+              <a:gd name="connsiteY7" fmla="*/ 2261005 h 2731930"/>
+              <a:gd name="connsiteX8" fmla="*/ 0 w 3512312"/>
+              <a:gd name="connsiteY8" fmla="*/ 230039 h 2731930"/>
+              <a:gd name="connsiteX0" fmla="*/ 0 w 3512312"/>
+              <a:gd name="connsiteY0" fmla="*/ 230039 h 2731930"/>
+              <a:gd name="connsiteX1" fmla="*/ 351545 w 3512312"/>
+              <a:gd name="connsiteY1" fmla="*/ 414 h 2731930"/>
+              <a:gd name="connsiteX2" fmla="*/ 3247127 w 3512312"/>
+              <a:gd name="connsiteY2" fmla="*/ 414 h 2731930"/>
+              <a:gd name="connsiteX3" fmla="*/ 3512312 w 3512312"/>
+              <a:gd name="connsiteY3" fmla="*/ 283379 h 2731930"/>
+              <a:gd name="connsiteX4" fmla="*/ 3507232 w 3512312"/>
+              <a:gd name="connsiteY4" fmla="*/ 2418485 h 2731930"/>
+              <a:gd name="connsiteX5" fmla="*/ 3264907 w 3512312"/>
+              <a:gd name="connsiteY5" fmla="*/ 2731930 h 2731930"/>
+              <a:gd name="connsiteX6" fmla="*/ 453145 w 3512312"/>
+              <a:gd name="connsiteY6" fmla="*/ 2714150 h 2731930"/>
+              <a:gd name="connsiteX7" fmla="*/ 0 w 3512312"/>
+              <a:gd name="connsiteY7" fmla="*/ 2455315 h 2731930"/>
+              <a:gd name="connsiteX8" fmla="*/ 0 w 3512312"/>
+              <a:gd name="connsiteY8" fmla="*/ 230039 h 2731930"/>
+              <a:gd name="connsiteX0" fmla="*/ 0 w 3512312"/>
+              <a:gd name="connsiteY0" fmla="*/ 230039 h 2731930"/>
+              <a:gd name="connsiteX1" fmla="*/ 351545 w 3512312"/>
+              <a:gd name="connsiteY1" fmla="*/ 414 h 2731930"/>
+              <a:gd name="connsiteX2" fmla="*/ 3247127 w 3512312"/>
+              <a:gd name="connsiteY2" fmla="*/ 414 h 2731930"/>
+              <a:gd name="connsiteX3" fmla="*/ 3512312 w 3512312"/>
+              <a:gd name="connsiteY3" fmla="*/ 283379 h 2731930"/>
+              <a:gd name="connsiteX4" fmla="*/ 3507232 w 3512312"/>
+              <a:gd name="connsiteY4" fmla="*/ 2418485 h 2731930"/>
+              <a:gd name="connsiteX5" fmla="*/ 3264907 w 3512312"/>
+              <a:gd name="connsiteY5" fmla="*/ 2731930 h 2731930"/>
+              <a:gd name="connsiteX6" fmla="*/ 298840 w 3512312"/>
+              <a:gd name="connsiteY6" fmla="*/ 2717960 h 2731930"/>
+              <a:gd name="connsiteX7" fmla="*/ 0 w 3512312"/>
+              <a:gd name="connsiteY7" fmla="*/ 2455315 h 2731930"/>
+              <a:gd name="connsiteX8" fmla="*/ 0 w 3512312"/>
+              <a:gd name="connsiteY8" fmla="*/ 230039 h 2731930"/>
+            </a:gdLst>
+            <a:ahLst/>
+            <a:cxnLst>
+              <a:cxn ang="0">
+                <a:pos x="connsiteX0" y="connsiteY0"/>
+              </a:cxn>
+              <a:cxn ang="0">
+                <a:pos x="connsiteX1" y="connsiteY1"/>
+              </a:cxn>
+              <a:cxn ang="0">
+                <a:pos x="connsiteX2" y="connsiteY2"/>
+              </a:cxn>
+              <a:cxn ang="0">
+                <a:pos x="connsiteX3" y="connsiteY3"/>
+              </a:cxn>
+              <a:cxn ang="0">
+                <a:pos x="connsiteX4" y="connsiteY4"/>
+              </a:cxn>
+              <a:cxn ang="0">
+                <a:pos x="connsiteX5" y="connsiteY5"/>
+              </a:cxn>
+              <a:cxn ang="0">
+                <a:pos x="connsiteX6" y="connsiteY6"/>
+              </a:cxn>
+              <a:cxn ang="0">
+                <a:pos x="connsiteX7" y="connsiteY7"/>
+              </a:cxn>
+              <a:cxn ang="0">
+                <a:pos x="connsiteX8" y="connsiteY8"/>
+              </a:cxn>
+            </a:cxnLst>
+            <a:rect l="l" t="t" r="r" b="b"/>
+            <a:pathLst>
+              <a:path w="3512312" h="2731930">
+                <a:moveTo>
+                  <a:pt x="0" y="230039"/>
+                </a:moveTo>
+                <a:cubicBezTo>
+                  <a:pt x="0" y="-20226"/>
+                  <a:pt x="101280" y="414"/>
+                  <a:pt x="351545" y="414"/>
+                </a:cubicBezTo>
+                <a:lnTo>
+                  <a:pt x="3247127" y="414"/>
+                </a:lnTo>
+                <a:cubicBezTo>
+                  <a:pt x="3497392" y="414"/>
+                  <a:pt x="3512312" y="33114"/>
+                  <a:pt x="3512312" y="283379"/>
+                </a:cubicBezTo>
+                <a:cubicBezTo>
+                  <a:pt x="3510619" y="942588"/>
+                  <a:pt x="3508925" y="1759276"/>
+                  <a:pt x="3507232" y="2418485"/>
+                </a:cubicBezTo>
+                <a:cubicBezTo>
+                  <a:pt x="3507232" y="2668750"/>
+                  <a:pt x="3515172" y="2731930"/>
+                  <a:pt x="3264907" y="2731930"/>
+                </a:cubicBezTo>
+                <a:lnTo>
+                  <a:pt x="298840" y="2717960"/>
+                </a:lnTo>
+                <a:cubicBezTo>
+                  <a:pt x="48575" y="2717960"/>
+                  <a:pt x="0" y="2705580"/>
+                  <a:pt x="0" y="2455315"/>
+                </a:cubicBezTo>
+                <a:lnTo>
+                  <a:pt x="0" y="230039"/>
+                </a:lnTo>
+                <a:close/>
+              </a:path>
+            </a:pathLst>
+          </a:custGeom>
+          <a:solidFill>
+            <a:srgbClr val="ABC7A9"/>
+          </a:solidFill>
+          <a:ln>
+            <a:noFill/>
+          </a:ln>
+          <a:effectLst/>
+          <a:scene3d>
+            <a:camera prst="orthographicFront"/>
+            <a:lightRig rig="threePt" dir="t"/>
+          </a:scene3d>
+          <a:sp3d>
+            <a:bevelT/>
+          </a:sp3d>
+        </p:spPr>
+        <p:style>
+          <a:lnRef idx="2">
+            <a:schemeClr val="accent1">
+              <a:shade val="15000"/>
+            </a:schemeClr>
+          </a:lnRef>
+          <a:fillRef idx="1">
+            <a:schemeClr val="accent1"/>
+          </a:fillRef>
+          <a:effectRef idx="0">
+            <a:schemeClr val="accent1"/>
+          </a:effectRef>
+          <a:fontRef idx="minor">
+            <a:schemeClr val="lt1"/>
+          </a:fontRef>
+        </p:style>
+        <p:txBody>
+          <a:bodyPr rtlCol="0" anchor="ctr"/>
+          <a:lstStyle/>
+          <a:p>
+            <a:pPr algn="ctr"/>
+            <a:endParaRPr lang="de-DE"/>
+          </a:p>
+        </p:txBody>
+      </p:sp>
+      <p:sp>
+        <p:nvSpPr>
+          <p:cNvPr id="9" name="Rechteck: abgerundete Ecken 5">
+            <a:extLst>
+              <a:ext uri="{FF2B5EF4-FFF2-40B4-BE49-F238E27FC236}">
+                <a16:creationId xmlns:a16="http://schemas.microsoft.com/office/drawing/2014/main" id="{EB3C336F-384D-A8D3-7B31-FC8C9867F5A8}"/>
+              </a:ext>
+            </a:extLst>
+          </p:cNvPr>
+          <p:cNvSpPr/>
+          <p:nvPr/>
+        </p:nvSpPr>
+        <p:spPr>
+          <a:xfrm>
+            <a:off x="109728" y="3718052"/>
+            <a:ext cx="2041652" cy="2996256"/>
+          </a:xfrm>
+          <a:custGeom>
+            <a:avLst/>
+            <a:gdLst>
+              <a:gd name="connsiteX0" fmla="*/ 0 w 3507232"/>
+              <a:gd name="connsiteY0" fmla="*/ 453145 h 2718816"/>
+              <a:gd name="connsiteX1" fmla="*/ 453145 w 3507232"/>
+              <a:gd name="connsiteY1" fmla="*/ 0 h 2718816"/>
+              <a:gd name="connsiteX2" fmla="*/ 3054087 w 3507232"/>
+              <a:gd name="connsiteY2" fmla="*/ 0 h 2718816"/>
+              <a:gd name="connsiteX3" fmla="*/ 3507232 w 3507232"/>
+              <a:gd name="connsiteY3" fmla="*/ 453145 h 2718816"/>
+              <a:gd name="connsiteX4" fmla="*/ 3507232 w 3507232"/>
+              <a:gd name="connsiteY4" fmla="*/ 2265671 h 2718816"/>
+              <a:gd name="connsiteX5" fmla="*/ 3054087 w 3507232"/>
+              <a:gd name="connsiteY5" fmla="*/ 2718816 h 2718816"/>
+              <a:gd name="connsiteX6" fmla="*/ 453145 w 3507232"/>
+              <a:gd name="connsiteY6" fmla="*/ 2718816 h 2718816"/>
+              <a:gd name="connsiteX7" fmla="*/ 0 w 3507232"/>
+              <a:gd name="connsiteY7" fmla="*/ 2265671 h 2718816"/>
+              <a:gd name="connsiteX8" fmla="*/ 0 w 3507232"/>
+              <a:gd name="connsiteY8" fmla="*/ 453145 h 2718816"/>
+              <a:gd name="connsiteX0" fmla="*/ 0 w 3507232"/>
+              <a:gd name="connsiteY0" fmla="*/ 234895 h 2719006"/>
+              <a:gd name="connsiteX1" fmla="*/ 453145 w 3507232"/>
+              <a:gd name="connsiteY1" fmla="*/ 190 h 2719006"/>
+              <a:gd name="connsiteX2" fmla="*/ 3054087 w 3507232"/>
+              <a:gd name="connsiteY2" fmla="*/ 190 h 2719006"/>
+              <a:gd name="connsiteX3" fmla="*/ 3507232 w 3507232"/>
+              <a:gd name="connsiteY3" fmla="*/ 453335 h 2719006"/>
+              <a:gd name="connsiteX4" fmla="*/ 3507232 w 3507232"/>
+              <a:gd name="connsiteY4" fmla="*/ 2265861 h 2719006"/>
+              <a:gd name="connsiteX5" fmla="*/ 3054087 w 3507232"/>
+              <a:gd name="connsiteY5" fmla="*/ 2719006 h 2719006"/>
+              <a:gd name="connsiteX6" fmla="*/ 453145 w 3507232"/>
+              <a:gd name="connsiteY6" fmla="*/ 2719006 h 2719006"/>
+              <a:gd name="connsiteX7" fmla="*/ 0 w 3507232"/>
+              <a:gd name="connsiteY7" fmla="*/ 2265861 h 2719006"/>
+              <a:gd name="connsiteX8" fmla="*/ 0 w 3507232"/>
+              <a:gd name="connsiteY8" fmla="*/ 234895 h 2719006"/>
+              <a:gd name="connsiteX0" fmla="*/ 0 w 3507232"/>
+              <a:gd name="connsiteY0" fmla="*/ 234705 h 2718816"/>
+              <a:gd name="connsiteX1" fmla="*/ 351545 w 3507232"/>
+              <a:gd name="connsiteY1" fmla="*/ 5080 h 2718816"/>
+              <a:gd name="connsiteX2" fmla="*/ 3054087 w 3507232"/>
+              <a:gd name="connsiteY2" fmla="*/ 0 h 2718816"/>
+              <a:gd name="connsiteX3" fmla="*/ 3507232 w 3507232"/>
+              <a:gd name="connsiteY3" fmla="*/ 453145 h 2718816"/>
+              <a:gd name="connsiteX4" fmla="*/ 3507232 w 3507232"/>
+              <a:gd name="connsiteY4" fmla="*/ 2265671 h 2718816"/>
+              <a:gd name="connsiteX5" fmla="*/ 3054087 w 3507232"/>
+              <a:gd name="connsiteY5" fmla="*/ 2718816 h 2718816"/>
+              <a:gd name="connsiteX6" fmla="*/ 453145 w 3507232"/>
+              <a:gd name="connsiteY6" fmla="*/ 2718816 h 2718816"/>
+              <a:gd name="connsiteX7" fmla="*/ 0 w 3507232"/>
+              <a:gd name="connsiteY7" fmla="*/ 2265671 h 2718816"/>
+              <a:gd name="connsiteX8" fmla="*/ 0 w 3507232"/>
+              <a:gd name="connsiteY8" fmla="*/ 234705 h 2718816"/>
+              <a:gd name="connsiteX0" fmla="*/ 0 w 3507232"/>
+              <a:gd name="connsiteY0" fmla="*/ 230039 h 2714150"/>
+              <a:gd name="connsiteX1" fmla="*/ 351545 w 3507232"/>
+              <a:gd name="connsiteY1" fmla="*/ 414 h 2714150"/>
+              <a:gd name="connsiteX2" fmla="*/ 3247127 w 3507232"/>
+              <a:gd name="connsiteY2" fmla="*/ 414 h 2714150"/>
+              <a:gd name="connsiteX3" fmla="*/ 3507232 w 3507232"/>
+              <a:gd name="connsiteY3" fmla="*/ 448479 h 2714150"/>
+              <a:gd name="connsiteX4" fmla="*/ 3507232 w 3507232"/>
+              <a:gd name="connsiteY4" fmla="*/ 2261005 h 2714150"/>
+              <a:gd name="connsiteX5" fmla="*/ 3054087 w 3507232"/>
+              <a:gd name="connsiteY5" fmla="*/ 2714150 h 2714150"/>
+              <a:gd name="connsiteX6" fmla="*/ 453145 w 3507232"/>
+              <a:gd name="connsiteY6" fmla="*/ 2714150 h 2714150"/>
+              <a:gd name="connsiteX7" fmla="*/ 0 w 3507232"/>
+              <a:gd name="connsiteY7" fmla="*/ 2261005 h 2714150"/>
+              <a:gd name="connsiteX8" fmla="*/ 0 w 3507232"/>
+              <a:gd name="connsiteY8" fmla="*/ 230039 h 2714150"/>
+              <a:gd name="connsiteX0" fmla="*/ 0 w 3512312"/>
+              <a:gd name="connsiteY0" fmla="*/ 230039 h 2714150"/>
+              <a:gd name="connsiteX1" fmla="*/ 351545 w 3512312"/>
+              <a:gd name="connsiteY1" fmla="*/ 414 h 2714150"/>
+              <a:gd name="connsiteX2" fmla="*/ 3247127 w 3512312"/>
+              <a:gd name="connsiteY2" fmla="*/ 414 h 2714150"/>
+              <a:gd name="connsiteX3" fmla="*/ 3512312 w 3512312"/>
+              <a:gd name="connsiteY3" fmla="*/ 283379 h 2714150"/>
+              <a:gd name="connsiteX4" fmla="*/ 3507232 w 3512312"/>
+              <a:gd name="connsiteY4" fmla="*/ 2261005 h 2714150"/>
+              <a:gd name="connsiteX5" fmla="*/ 3054087 w 3512312"/>
+              <a:gd name="connsiteY5" fmla="*/ 2714150 h 2714150"/>
+              <a:gd name="connsiteX6" fmla="*/ 453145 w 3512312"/>
+              <a:gd name="connsiteY6" fmla="*/ 2714150 h 2714150"/>
+              <a:gd name="connsiteX7" fmla="*/ 0 w 3512312"/>
+              <a:gd name="connsiteY7" fmla="*/ 2261005 h 2714150"/>
+              <a:gd name="connsiteX8" fmla="*/ 0 w 3512312"/>
+              <a:gd name="connsiteY8" fmla="*/ 230039 h 2714150"/>
+              <a:gd name="connsiteX0" fmla="*/ 0 w 3512312"/>
+              <a:gd name="connsiteY0" fmla="*/ 230039 h 2719230"/>
+              <a:gd name="connsiteX1" fmla="*/ 351545 w 3512312"/>
+              <a:gd name="connsiteY1" fmla="*/ 414 h 2719230"/>
+              <a:gd name="connsiteX2" fmla="*/ 3247127 w 3512312"/>
+              <a:gd name="connsiteY2" fmla="*/ 414 h 2719230"/>
+              <a:gd name="connsiteX3" fmla="*/ 3512312 w 3512312"/>
+              <a:gd name="connsiteY3" fmla="*/ 283379 h 2719230"/>
+              <a:gd name="connsiteX4" fmla="*/ 3507232 w 3512312"/>
+              <a:gd name="connsiteY4" fmla="*/ 2261005 h 2719230"/>
+              <a:gd name="connsiteX5" fmla="*/ 3303007 w 3512312"/>
+              <a:gd name="connsiteY5" fmla="*/ 2719230 h 2719230"/>
+              <a:gd name="connsiteX6" fmla="*/ 453145 w 3512312"/>
+              <a:gd name="connsiteY6" fmla="*/ 2714150 h 2719230"/>
+              <a:gd name="connsiteX7" fmla="*/ 0 w 3512312"/>
+              <a:gd name="connsiteY7" fmla="*/ 2261005 h 2719230"/>
+              <a:gd name="connsiteX8" fmla="*/ 0 w 3512312"/>
+              <a:gd name="connsiteY8" fmla="*/ 230039 h 2719230"/>
+              <a:gd name="connsiteX0" fmla="*/ 0 w 3512312"/>
+              <a:gd name="connsiteY0" fmla="*/ 230039 h 2719230"/>
+              <a:gd name="connsiteX1" fmla="*/ 351545 w 3512312"/>
+              <a:gd name="connsiteY1" fmla="*/ 414 h 2719230"/>
+              <a:gd name="connsiteX2" fmla="*/ 3247127 w 3512312"/>
+              <a:gd name="connsiteY2" fmla="*/ 414 h 2719230"/>
+              <a:gd name="connsiteX3" fmla="*/ 3512312 w 3512312"/>
+              <a:gd name="connsiteY3" fmla="*/ 283379 h 2719230"/>
+              <a:gd name="connsiteX4" fmla="*/ 3504692 w 3512312"/>
+              <a:gd name="connsiteY4" fmla="*/ 2352445 h 2719230"/>
+              <a:gd name="connsiteX5" fmla="*/ 3303007 w 3512312"/>
+              <a:gd name="connsiteY5" fmla="*/ 2719230 h 2719230"/>
+              <a:gd name="connsiteX6" fmla="*/ 453145 w 3512312"/>
+              <a:gd name="connsiteY6" fmla="*/ 2714150 h 2719230"/>
+              <a:gd name="connsiteX7" fmla="*/ 0 w 3512312"/>
+              <a:gd name="connsiteY7" fmla="*/ 2261005 h 2719230"/>
+              <a:gd name="connsiteX8" fmla="*/ 0 w 3512312"/>
+              <a:gd name="connsiteY8" fmla="*/ 230039 h 2719230"/>
+              <a:gd name="connsiteX0" fmla="*/ 0 w 3512312"/>
+              <a:gd name="connsiteY0" fmla="*/ 230039 h 2719230"/>
+              <a:gd name="connsiteX1" fmla="*/ 351545 w 3512312"/>
+              <a:gd name="connsiteY1" fmla="*/ 414 h 2719230"/>
+              <a:gd name="connsiteX2" fmla="*/ 3247127 w 3512312"/>
+              <a:gd name="connsiteY2" fmla="*/ 414 h 2719230"/>
+              <a:gd name="connsiteX3" fmla="*/ 3512312 w 3512312"/>
+              <a:gd name="connsiteY3" fmla="*/ 283379 h 2719230"/>
+              <a:gd name="connsiteX4" fmla="*/ 3504692 w 3512312"/>
+              <a:gd name="connsiteY4" fmla="*/ 2352445 h 2719230"/>
+              <a:gd name="connsiteX5" fmla="*/ 3282687 w 3512312"/>
+              <a:gd name="connsiteY5" fmla="*/ 2719230 h 2719230"/>
+              <a:gd name="connsiteX6" fmla="*/ 453145 w 3512312"/>
+              <a:gd name="connsiteY6" fmla="*/ 2714150 h 2719230"/>
+              <a:gd name="connsiteX7" fmla="*/ 0 w 3512312"/>
+              <a:gd name="connsiteY7" fmla="*/ 2261005 h 2719230"/>
+              <a:gd name="connsiteX8" fmla="*/ 0 w 3512312"/>
+              <a:gd name="connsiteY8" fmla="*/ 230039 h 2719230"/>
+              <a:gd name="connsiteX0" fmla="*/ 0 w 3512312"/>
+              <a:gd name="connsiteY0" fmla="*/ 230039 h 2731930"/>
+              <a:gd name="connsiteX1" fmla="*/ 351545 w 3512312"/>
+              <a:gd name="connsiteY1" fmla="*/ 414 h 2731930"/>
+              <a:gd name="connsiteX2" fmla="*/ 3247127 w 3512312"/>
+              <a:gd name="connsiteY2" fmla="*/ 414 h 2731930"/>
+              <a:gd name="connsiteX3" fmla="*/ 3512312 w 3512312"/>
+              <a:gd name="connsiteY3" fmla="*/ 283379 h 2731930"/>
+              <a:gd name="connsiteX4" fmla="*/ 3504692 w 3512312"/>
+              <a:gd name="connsiteY4" fmla="*/ 2352445 h 2731930"/>
+              <a:gd name="connsiteX5" fmla="*/ 3264907 w 3512312"/>
+              <a:gd name="connsiteY5" fmla="*/ 2731930 h 2731930"/>
+              <a:gd name="connsiteX6" fmla="*/ 453145 w 3512312"/>
+              <a:gd name="connsiteY6" fmla="*/ 2714150 h 2731930"/>
+              <a:gd name="connsiteX7" fmla="*/ 0 w 3512312"/>
+              <a:gd name="connsiteY7" fmla="*/ 2261005 h 2731930"/>
+              <a:gd name="connsiteX8" fmla="*/ 0 w 3512312"/>
+              <a:gd name="connsiteY8" fmla="*/ 230039 h 2731930"/>
+              <a:gd name="connsiteX0" fmla="*/ 0 w 3512312"/>
+              <a:gd name="connsiteY0" fmla="*/ 230039 h 2731930"/>
+              <a:gd name="connsiteX1" fmla="*/ 351545 w 3512312"/>
+              <a:gd name="connsiteY1" fmla="*/ 414 h 2731930"/>
+              <a:gd name="connsiteX2" fmla="*/ 3247127 w 3512312"/>
+              <a:gd name="connsiteY2" fmla="*/ 414 h 2731930"/>
+              <a:gd name="connsiteX3" fmla="*/ 3512312 w 3512312"/>
+              <a:gd name="connsiteY3" fmla="*/ 283379 h 2731930"/>
+              <a:gd name="connsiteX4" fmla="*/ 3507232 w 3512312"/>
+              <a:gd name="connsiteY4" fmla="*/ 2418485 h 2731930"/>
+              <a:gd name="connsiteX5" fmla="*/ 3264907 w 3512312"/>
+              <a:gd name="connsiteY5" fmla="*/ 2731930 h 2731930"/>
+              <a:gd name="connsiteX6" fmla="*/ 453145 w 3512312"/>
+              <a:gd name="connsiteY6" fmla="*/ 2714150 h 2731930"/>
+              <a:gd name="connsiteX7" fmla="*/ 0 w 3512312"/>
+              <a:gd name="connsiteY7" fmla="*/ 2261005 h 2731930"/>
+              <a:gd name="connsiteX8" fmla="*/ 0 w 3512312"/>
+              <a:gd name="connsiteY8" fmla="*/ 230039 h 2731930"/>
+              <a:gd name="connsiteX0" fmla="*/ 0 w 3512312"/>
+              <a:gd name="connsiteY0" fmla="*/ 230039 h 2731930"/>
+              <a:gd name="connsiteX1" fmla="*/ 351545 w 3512312"/>
+              <a:gd name="connsiteY1" fmla="*/ 414 h 2731930"/>
+              <a:gd name="connsiteX2" fmla="*/ 3247127 w 3512312"/>
+              <a:gd name="connsiteY2" fmla="*/ 414 h 2731930"/>
+              <a:gd name="connsiteX3" fmla="*/ 3512312 w 3512312"/>
+              <a:gd name="connsiteY3" fmla="*/ 283379 h 2731930"/>
+              <a:gd name="connsiteX4" fmla="*/ 3507232 w 3512312"/>
+              <a:gd name="connsiteY4" fmla="*/ 2418485 h 2731930"/>
+              <a:gd name="connsiteX5" fmla="*/ 3264907 w 3512312"/>
+              <a:gd name="connsiteY5" fmla="*/ 2731930 h 2731930"/>
+              <a:gd name="connsiteX6" fmla="*/ 453145 w 3512312"/>
+              <a:gd name="connsiteY6" fmla="*/ 2714150 h 2731930"/>
+              <a:gd name="connsiteX7" fmla="*/ 0 w 3512312"/>
+              <a:gd name="connsiteY7" fmla="*/ 2455315 h 2731930"/>
+              <a:gd name="connsiteX8" fmla="*/ 0 w 3512312"/>
+              <a:gd name="connsiteY8" fmla="*/ 230039 h 2731930"/>
+              <a:gd name="connsiteX0" fmla="*/ 0 w 3512312"/>
+              <a:gd name="connsiteY0" fmla="*/ 230039 h 2731930"/>
+              <a:gd name="connsiteX1" fmla="*/ 351545 w 3512312"/>
+              <a:gd name="connsiteY1" fmla="*/ 414 h 2731930"/>
+              <a:gd name="connsiteX2" fmla="*/ 3247127 w 3512312"/>
+              <a:gd name="connsiteY2" fmla="*/ 414 h 2731930"/>
+              <a:gd name="connsiteX3" fmla="*/ 3512312 w 3512312"/>
+              <a:gd name="connsiteY3" fmla="*/ 283379 h 2731930"/>
+              <a:gd name="connsiteX4" fmla="*/ 3507232 w 3512312"/>
+              <a:gd name="connsiteY4" fmla="*/ 2418485 h 2731930"/>
+              <a:gd name="connsiteX5" fmla="*/ 3264907 w 3512312"/>
+              <a:gd name="connsiteY5" fmla="*/ 2731930 h 2731930"/>
+              <a:gd name="connsiteX6" fmla="*/ 298840 w 3512312"/>
+              <a:gd name="connsiteY6" fmla="*/ 2717960 h 2731930"/>
+              <a:gd name="connsiteX7" fmla="*/ 0 w 3512312"/>
+              <a:gd name="connsiteY7" fmla="*/ 2455315 h 2731930"/>
+              <a:gd name="connsiteX8" fmla="*/ 0 w 3512312"/>
+              <a:gd name="connsiteY8" fmla="*/ 230039 h 2731930"/>
+            </a:gdLst>
+            <a:ahLst/>
+            <a:cxnLst>
+              <a:cxn ang="0">
+                <a:pos x="connsiteX0" y="connsiteY0"/>
+              </a:cxn>
+              <a:cxn ang="0">
+                <a:pos x="connsiteX1" y="connsiteY1"/>
+              </a:cxn>
+              <a:cxn ang="0">
+                <a:pos x="connsiteX2" y="connsiteY2"/>
+              </a:cxn>
+              <a:cxn ang="0">
+                <a:pos x="connsiteX3" y="connsiteY3"/>
+              </a:cxn>
+              <a:cxn ang="0">
+                <a:pos x="connsiteX4" y="connsiteY4"/>
+              </a:cxn>
+              <a:cxn ang="0">
+                <a:pos x="connsiteX5" y="connsiteY5"/>
+              </a:cxn>
+              <a:cxn ang="0">
+                <a:pos x="connsiteX6" y="connsiteY6"/>
+              </a:cxn>
+              <a:cxn ang="0">
+                <a:pos x="connsiteX7" y="connsiteY7"/>
+              </a:cxn>
+              <a:cxn ang="0">
+                <a:pos x="connsiteX8" y="connsiteY8"/>
+              </a:cxn>
+            </a:cxnLst>
+            <a:rect l="l" t="t" r="r" b="b"/>
+            <a:pathLst>
+              <a:path w="3512312" h="2731930">
+                <a:moveTo>
+                  <a:pt x="0" y="230039"/>
+                </a:moveTo>
+                <a:cubicBezTo>
+                  <a:pt x="0" y="-20226"/>
+                  <a:pt x="101280" y="414"/>
+                  <a:pt x="351545" y="414"/>
+                </a:cubicBezTo>
+                <a:lnTo>
+                  <a:pt x="3247127" y="414"/>
+                </a:lnTo>
+                <a:cubicBezTo>
+                  <a:pt x="3497392" y="414"/>
+                  <a:pt x="3512312" y="33114"/>
+                  <a:pt x="3512312" y="283379"/>
+                </a:cubicBezTo>
+                <a:cubicBezTo>
+                  <a:pt x="3510619" y="942588"/>
+                  <a:pt x="3508925" y="1759276"/>
+                  <a:pt x="3507232" y="2418485"/>
+                </a:cubicBezTo>
+                <a:cubicBezTo>
+                  <a:pt x="3507232" y="2668750"/>
+                  <a:pt x="3515172" y="2731930"/>
+                  <a:pt x="3264907" y="2731930"/>
+                </a:cubicBezTo>
+                <a:lnTo>
+                  <a:pt x="298840" y="2717960"/>
+                </a:lnTo>
+                <a:cubicBezTo>
+                  <a:pt x="48575" y="2717960"/>
+                  <a:pt x="0" y="2705580"/>
+                  <a:pt x="0" y="2455315"/>
+                </a:cubicBezTo>
+                <a:lnTo>
+                  <a:pt x="0" y="230039"/>
+                </a:lnTo>
+                <a:close/>
+              </a:path>
+            </a:pathLst>
+          </a:custGeom>
+          <a:solidFill>
+            <a:srgbClr val="ABC7A9"/>
+          </a:solidFill>
+          <a:ln>
+            <a:noFill/>
+          </a:ln>
+          <a:effectLst/>
+          <a:scene3d>
+            <a:camera prst="orthographicFront"/>
+            <a:lightRig rig="threePt" dir="t"/>
+          </a:scene3d>
+          <a:sp3d>
+            <a:bevelT/>
+          </a:sp3d>
+        </p:spPr>
+        <p:style>
+          <a:lnRef idx="2">
+            <a:schemeClr val="accent1">
+              <a:shade val="15000"/>
+            </a:schemeClr>
+          </a:lnRef>
+          <a:fillRef idx="1">
+            <a:schemeClr val="accent1"/>
+          </a:fillRef>
+          <a:effectRef idx="0">
+            <a:schemeClr val="accent1"/>
+          </a:effectRef>
+          <a:fontRef idx="minor">
+            <a:schemeClr val="lt1"/>
+          </a:fontRef>
+        </p:style>
+        <p:txBody>
+          <a:bodyPr rtlCol="0" anchor="ctr"/>
+          <a:lstStyle/>
+          <a:p>
+            <a:pPr algn="ctr"/>
+            <a:endParaRPr lang="de-DE"/>
+          </a:p>
+        </p:txBody>
+      </p:sp>
+      <p:sp>
+        <p:nvSpPr>
+          <p:cNvPr id="10" name="Rechteck: abgerundete Ecken 5">
+            <a:extLst>
+              <a:ext uri="{FF2B5EF4-FFF2-40B4-BE49-F238E27FC236}">
+                <a16:creationId xmlns:a16="http://schemas.microsoft.com/office/drawing/2014/main" id="{3F13A659-C92E-D8A7-9B89-91771D86263D}"/>
+              </a:ext>
+            </a:extLst>
+          </p:cNvPr>
+          <p:cNvSpPr/>
+          <p:nvPr/>
+        </p:nvSpPr>
+        <p:spPr>
+          <a:xfrm>
+            <a:off x="2266493" y="3725278"/>
+            <a:ext cx="4674460" cy="1910406"/>
+          </a:xfrm>
+          <a:custGeom>
+            <a:avLst/>
+            <a:gdLst>
+              <a:gd name="connsiteX0" fmla="*/ 0 w 3507232"/>
+              <a:gd name="connsiteY0" fmla="*/ 453145 h 2718816"/>
+              <a:gd name="connsiteX1" fmla="*/ 453145 w 3507232"/>
+              <a:gd name="connsiteY1" fmla="*/ 0 h 2718816"/>
+              <a:gd name="connsiteX2" fmla="*/ 3054087 w 3507232"/>
+              <a:gd name="connsiteY2" fmla="*/ 0 h 2718816"/>
+              <a:gd name="connsiteX3" fmla="*/ 3507232 w 3507232"/>
+              <a:gd name="connsiteY3" fmla="*/ 453145 h 2718816"/>
+              <a:gd name="connsiteX4" fmla="*/ 3507232 w 3507232"/>
+              <a:gd name="connsiteY4" fmla="*/ 2265671 h 2718816"/>
+              <a:gd name="connsiteX5" fmla="*/ 3054087 w 3507232"/>
+              <a:gd name="connsiteY5" fmla="*/ 2718816 h 2718816"/>
+              <a:gd name="connsiteX6" fmla="*/ 453145 w 3507232"/>
+              <a:gd name="connsiteY6" fmla="*/ 2718816 h 2718816"/>
+              <a:gd name="connsiteX7" fmla="*/ 0 w 3507232"/>
+              <a:gd name="connsiteY7" fmla="*/ 2265671 h 2718816"/>
+              <a:gd name="connsiteX8" fmla="*/ 0 w 3507232"/>
+              <a:gd name="connsiteY8" fmla="*/ 453145 h 2718816"/>
+              <a:gd name="connsiteX0" fmla="*/ 0 w 3507232"/>
+              <a:gd name="connsiteY0" fmla="*/ 234895 h 2719006"/>
+              <a:gd name="connsiteX1" fmla="*/ 453145 w 3507232"/>
+              <a:gd name="connsiteY1" fmla="*/ 190 h 2719006"/>
+              <a:gd name="connsiteX2" fmla="*/ 3054087 w 3507232"/>
+              <a:gd name="connsiteY2" fmla="*/ 190 h 2719006"/>
+              <a:gd name="connsiteX3" fmla="*/ 3507232 w 3507232"/>
+              <a:gd name="connsiteY3" fmla="*/ 453335 h 2719006"/>
+              <a:gd name="connsiteX4" fmla="*/ 3507232 w 3507232"/>
+              <a:gd name="connsiteY4" fmla="*/ 2265861 h 2719006"/>
+              <a:gd name="connsiteX5" fmla="*/ 3054087 w 3507232"/>
+              <a:gd name="connsiteY5" fmla="*/ 2719006 h 2719006"/>
+              <a:gd name="connsiteX6" fmla="*/ 453145 w 3507232"/>
+              <a:gd name="connsiteY6" fmla="*/ 2719006 h 2719006"/>
+              <a:gd name="connsiteX7" fmla="*/ 0 w 3507232"/>
+              <a:gd name="connsiteY7" fmla="*/ 2265861 h 2719006"/>
+              <a:gd name="connsiteX8" fmla="*/ 0 w 3507232"/>
+              <a:gd name="connsiteY8" fmla="*/ 234895 h 2719006"/>
+              <a:gd name="connsiteX0" fmla="*/ 0 w 3507232"/>
+              <a:gd name="connsiteY0" fmla="*/ 234705 h 2718816"/>
+              <a:gd name="connsiteX1" fmla="*/ 351545 w 3507232"/>
+              <a:gd name="connsiteY1" fmla="*/ 5080 h 2718816"/>
+              <a:gd name="connsiteX2" fmla="*/ 3054087 w 3507232"/>
+              <a:gd name="connsiteY2" fmla="*/ 0 h 2718816"/>
+              <a:gd name="connsiteX3" fmla="*/ 3507232 w 3507232"/>
+              <a:gd name="connsiteY3" fmla="*/ 453145 h 2718816"/>
+              <a:gd name="connsiteX4" fmla="*/ 3507232 w 3507232"/>
+              <a:gd name="connsiteY4" fmla="*/ 2265671 h 2718816"/>
+              <a:gd name="connsiteX5" fmla="*/ 3054087 w 3507232"/>
+              <a:gd name="connsiteY5" fmla="*/ 2718816 h 2718816"/>
+              <a:gd name="connsiteX6" fmla="*/ 453145 w 3507232"/>
+              <a:gd name="connsiteY6" fmla="*/ 2718816 h 2718816"/>
+              <a:gd name="connsiteX7" fmla="*/ 0 w 3507232"/>
+              <a:gd name="connsiteY7" fmla="*/ 2265671 h 2718816"/>
+              <a:gd name="connsiteX8" fmla="*/ 0 w 3507232"/>
+              <a:gd name="connsiteY8" fmla="*/ 234705 h 2718816"/>
+              <a:gd name="connsiteX0" fmla="*/ 0 w 3507232"/>
+              <a:gd name="connsiteY0" fmla="*/ 230039 h 2714150"/>
+              <a:gd name="connsiteX1" fmla="*/ 351545 w 3507232"/>
+              <a:gd name="connsiteY1" fmla="*/ 414 h 2714150"/>
+              <a:gd name="connsiteX2" fmla="*/ 3247127 w 3507232"/>
+              <a:gd name="connsiteY2" fmla="*/ 414 h 2714150"/>
+              <a:gd name="connsiteX3" fmla="*/ 3507232 w 3507232"/>
+              <a:gd name="connsiteY3" fmla="*/ 448479 h 2714150"/>
+              <a:gd name="connsiteX4" fmla="*/ 3507232 w 3507232"/>
+              <a:gd name="connsiteY4" fmla="*/ 2261005 h 2714150"/>
+              <a:gd name="connsiteX5" fmla="*/ 3054087 w 3507232"/>
+              <a:gd name="connsiteY5" fmla="*/ 2714150 h 2714150"/>
+              <a:gd name="connsiteX6" fmla="*/ 453145 w 3507232"/>
+              <a:gd name="connsiteY6" fmla="*/ 2714150 h 2714150"/>
+              <a:gd name="connsiteX7" fmla="*/ 0 w 3507232"/>
+              <a:gd name="connsiteY7" fmla="*/ 2261005 h 2714150"/>
+              <a:gd name="connsiteX8" fmla="*/ 0 w 3507232"/>
+              <a:gd name="connsiteY8" fmla="*/ 230039 h 2714150"/>
+              <a:gd name="connsiteX0" fmla="*/ 0 w 3512312"/>
+              <a:gd name="connsiteY0" fmla="*/ 230039 h 2714150"/>
+              <a:gd name="connsiteX1" fmla="*/ 351545 w 3512312"/>
+              <a:gd name="connsiteY1" fmla="*/ 414 h 2714150"/>
+              <a:gd name="connsiteX2" fmla="*/ 3247127 w 3512312"/>
+              <a:gd name="connsiteY2" fmla="*/ 414 h 2714150"/>
+              <a:gd name="connsiteX3" fmla="*/ 3512312 w 3512312"/>
+              <a:gd name="connsiteY3" fmla="*/ 283379 h 2714150"/>
+              <a:gd name="connsiteX4" fmla="*/ 3507232 w 3512312"/>
+              <a:gd name="connsiteY4" fmla="*/ 2261005 h 2714150"/>
+              <a:gd name="connsiteX5" fmla="*/ 3054087 w 3512312"/>
+              <a:gd name="connsiteY5" fmla="*/ 2714150 h 2714150"/>
+              <a:gd name="connsiteX6" fmla="*/ 453145 w 3512312"/>
+              <a:gd name="connsiteY6" fmla="*/ 2714150 h 2714150"/>
+              <a:gd name="connsiteX7" fmla="*/ 0 w 3512312"/>
+              <a:gd name="connsiteY7" fmla="*/ 2261005 h 2714150"/>
+              <a:gd name="connsiteX8" fmla="*/ 0 w 3512312"/>
+              <a:gd name="connsiteY8" fmla="*/ 230039 h 2714150"/>
+              <a:gd name="connsiteX0" fmla="*/ 0 w 3512312"/>
+              <a:gd name="connsiteY0" fmla="*/ 230039 h 2719230"/>
+              <a:gd name="connsiteX1" fmla="*/ 351545 w 3512312"/>
+              <a:gd name="connsiteY1" fmla="*/ 414 h 2719230"/>
+              <a:gd name="connsiteX2" fmla="*/ 3247127 w 3512312"/>
+              <a:gd name="connsiteY2" fmla="*/ 414 h 2719230"/>
+              <a:gd name="connsiteX3" fmla="*/ 3512312 w 3512312"/>
+              <a:gd name="connsiteY3" fmla="*/ 283379 h 2719230"/>
+              <a:gd name="connsiteX4" fmla="*/ 3507232 w 3512312"/>
+              <a:gd name="connsiteY4" fmla="*/ 2261005 h 2719230"/>
+              <a:gd name="connsiteX5" fmla="*/ 3303007 w 3512312"/>
+              <a:gd name="connsiteY5" fmla="*/ 2719230 h 2719230"/>
+              <a:gd name="connsiteX6" fmla="*/ 453145 w 3512312"/>
+              <a:gd name="connsiteY6" fmla="*/ 2714150 h 2719230"/>
+              <a:gd name="connsiteX7" fmla="*/ 0 w 3512312"/>
+              <a:gd name="connsiteY7" fmla="*/ 2261005 h 2719230"/>
+              <a:gd name="connsiteX8" fmla="*/ 0 w 3512312"/>
+              <a:gd name="connsiteY8" fmla="*/ 230039 h 2719230"/>
+              <a:gd name="connsiteX0" fmla="*/ 0 w 3512312"/>
+              <a:gd name="connsiteY0" fmla="*/ 230039 h 2719230"/>
+              <a:gd name="connsiteX1" fmla="*/ 351545 w 3512312"/>
+              <a:gd name="connsiteY1" fmla="*/ 414 h 2719230"/>
+              <a:gd name="connsiteX2" fmla="*/ 3247127 w 3512312"/>
+              <a:gd name="connsiteY2" fmla="*/ 414 h 2719230"/>
+              <a:gd name="connsiteX3" fmla="*/ 3512312 w 3512312"/>
+              <a:gd name="connsiteY3" fmla="*/ 283379 h 2719230"/>
+              <a:gd name="connsiteX4" fmla="*/ 3504692 w 3512312"/>
+              <a:gd name="connsiteY4" fmla="*/ 2352445 h 2719230"/>
+              <a:gd name="connsiteX5" fmla="*/ 3303007 w 3512312"/>
+              <a:gd name="connsiteY5" fmla="*/ 2719230 h 2719230"/>
+              <a:gd name="connsiteX6" fmla="*/ 453145 w 3512312"/>
+              <a:gd name="connsiteY6" fmla="*/ 2714150 h 2719230"/>
+              <a:gd name="connsiteX7" fmla="*/ 0 w 3512312"/>
+              <a:gd name="connsiteY7" fmla="*/ 2261005 h 2719230"/>
+              <a:gd name="connsiteX8" fmla="*/ 0 w 3512312"/>
+              <a:gd name="connsiteY8" fmla="*/ 230039 h 2719230"/>
+              <a:gd name="connsiteX0" fmla="*/ 0 w 3512312"/>
+              <a:gd name="connsiteY0" fmla="*/ 230039 h 2719230"/>
+              <a:gd name="connsiteX1" fmla="*/ 351545 w 3512312"/>
+              <a:gd name="connsiteY1" fmla="*/ 414 h 2719230"/>
+              <a:gd name="connsiteX2" fmla="*/ 3247127 w 3512312"/>
+              <a:gd name="connsiteY2" fmla="*/ 414 h 2719230"/>
+              <a:gd name="connsiteX3" fmla="*/ 3512312 w 3512312"/>
+              <a:gd name="connsiteY3" fmla="*/ 283379 h 2719230"/>
+              <a:gd name="connsiteX4" fmla="*/ 3504692 w 3512312"/>
+              <a:gd name="connsiteY4" fmla="*/ 2352445 h 2719230"/>
+              <a:gd name="connsiteX5" fmla="*/ 3282687 w 3512312"/>
+              <a:gd name="connsiteY5" fmla="*/ 2719230 h 2719230"/>
+              <a:gd name="connsiteX6" fmla="*/ 453145 w 3512312"/>
+              <a:gd name="connsiteY6" fmla="*/ 2714150 h 2719230"/>
+              <a:gd name="connsiteX7" fmla="*/ 0 w 3512312"/>
+              <a:gd name="connsiteY7" fmla="*/ 2261005 h 2719230"/>
+              <a:gd name="connsiteX8" fmla="*/ 0 w 3512312"/>
+              <a:gd name="connsiteY8" fmla="*/ 230039 h 2719230"/>
+              <a:gd name="connsiteX0" fmla="*/ 0 w 3512312"/>
+              <a:gd name="connsiteY0" fmla="*/ 230039 h 2731930"/>
+              <a:gd name="connsiteX1" fmla="*/ 351545 w 3512312"/>
+              <a:gd name="connsiteY1" fmla="*/ 414 h 2731930"/>
+              <a:gd name="connsiteX2" fmla="*/ 3247127 w 3512312"/>
+              <a:gd name="connsiteY2" fmla="*/ 414 h 2731930"/>
+              <a:gd name="connsiteX3" fmla="*/ 3512312 w 3512312"/>
+              <a:gd name="connsiteY3" fmla="*/ 283379 h 2731930"/>
+              <a:gd name="connsiteX4" fmla="*/ 3504692 w 3512312"/>
+              <a:gd name="connsiteY4" fmla="*/ 2352445 h 2731930"/>
+              <a:gd name="connsiteX5" fmla="*/ 3264907 w 3512312"/>
+              <a:gd name="connsiteY5" fmla="*/ 2731930 h 2731930"/>
+              <a:gd name="connsiteX6" fmla="*/ 453145 w 3512312"/>
+              <a:gd name="connsiteY6" fmla="*/ 2714150 h 2731930"/>
+              <a:gd name="connsiteX7" fmla="*/ 0 w 3512312"/>
+              <a:gd name="connsiteY7" fmla="*/ 2261005 h 2731930"/>
+              <a:gd name="connsiteX8" fmla="*/ 0 w 3512312"/>
+              <a:gd name="connsiteY8" fmla="*/ 230039 h 2731930"/>
+              <a:gd name="connsiteX0" fmla="*/ 0 w 3512312"/>
+              <a:gd name="connsiteY0" fmla="*/ 230039 h 2731930"/>
+              <a:gd name="connsiteX1" fmla="*/ 351545 w 3512312"/>
+              <a:gd name="connsiteY1" fmla="*/ 414 h 2731930"/>
+              <a:gd name="connsiteX2" fmla="*/ 3247127 w 3512312"/>
+              <a:gd name="connsiteY2" fmla="*/ 414 h 2731930"/>
+              <a:gd name="connsiteX3" fmla="*/ 3512312 w 3512312"/>
+              <a:gd name="connsiteY3" fmla="*/ 283379 h 2731930"/>
+              <a:gd name="connsiteX4" fmla="*/ 3507232 w 3512312"/>
+              <a:gd name="connsiteY4" fmla="*/ 2418485 h 2731930"/>
+              <a:gd name="connsiteX5" fmla="*/ 3264907 w 3512312"/>
+              <a:gd name="connsiteY5" fmla="*/ 2731930 h 2731930"/>
+              <a:gd name="connsiteX6" fmla="*/ 453145 w 3512312"/>
+              <a:gd name="connsiteY6" fmla="*/ 2714150 h 2731930"/>
+              <a:gd name="connsiteX7" fmla="*/ 0 w 3512312"/>
+              <a:gd name="connsiteY7" fmla="*/ 2261005 h 2731930"/>
+              <a:gd name="connsiteX8" fmla="*/ 0 w 3512312"/>
+              <a:gd name="connsiteY8" fmla="*/ 230039 h 2731930"/>
+              <a:gd name="connsiteX0" fmla="*/ 0 w 3512312"/>
+              <a:gd name="connsiteY0" fmla="*/ 230039 h 2731930"/>
+              <a:gd name="connsiteX1" fmla="*/ 351545 w 3512312"/>
+              <a:gd name="connsiteY1" fmla="*/ 414 h 2731930"/>
+              <a:gd name="connsiteX2" fmla="*/ 3247127 w 3512312"/>
+              <a:gd name="connsiteY2" fmla="*/ 414 h 2731930"/>
+              <a:gd name="connsiteX3" fmla="*/ 3512312 w 3512312"/>
+              <a:gd name="connsiteY3" fmla="*/ 283379 h 2731930"/>
+              <a:gd name="connsiteX4" fmla="*/ 3507232 w 3512312"/>
+              <a:gd name="connsiteY4" fmla="*/ 2418485 h 2731930"/>
+              <a:gd name="connsiteX5" fmla="*/ 3264907 w 3512312"/>
+              <a:gd name="connsiteY5" fmla="*/ 2731930 h 2731930"/>
+              <a:gd name="connsiteX6" fmla="*/ 453145 w 3512312"/>
+              <a:gd name="connsiteY6" fmla="*/ 2714150 h 2731930"/>
+              <a:gd name="connsiteX7" fmla="*/ 0 w 3512312"/>
+              <a:gd name="connsiteY7" fmla="*/ 2455315 h 2731930"/>
+              <a:gd name="connsiteX8" fmla="*/ 0 w 3512312"/>
+              <a:gd name="connsiteY8" fmla="*/ 230039 h 2731930"/>
+              <a:gd name="connsiteX0" fmla="*/ 0 w 3512312"/>
+              <a:gd name="connsiteY0" fmla="*/ 230039 h 2731930"/>
+              <a:gd name="connsiteX1" fmla="*/ 351545 w 3512312"/>
+              <a:gd name="connsiteY1" fmla="*/ 414 h 2731930"/>
+              <a:gd name="connsiteX2" fmla="*/ 3247127 w 3512312"/>
+              <a:gd name="connsiteY2" fmla="*/ 414 h 2731930"/>
+              <a:gd name="connsiteX3" fmla="*/ 3512312 w 3512312"/>
+              <a:gd name="connsiteY3" fmla="*/ 283379 h 2731930"/>
+              <a:gd name="connsiteX4" fmla="*/ 3507232 w 3512312"/>
+              <a:gd name="connsiteY4" fmla="*/ 2418485 h 2731930"/>
+              <a:gd name="connsiteX5" fmla="*/ 3264907 w 3512312"/>
+              <a:gd name="connsiteY5" fmla="*/ 2731930 h 2731930"/>
+              <a:gd name="connsiteX6" fmla="*/ 298840 w 3512312"/>
+              <a:gd name="connsiteY6" fmla="*/ 2717960 h 2731930"/>
+              <a:gd name="connsiteX7" fmla="*/ 0 w 3512312"/>
+              <a:gd name="connsiteY7" fmla="*/ 2455315 h 2731930"/>
+              <a:gd name="connsiteX8" fmla="*/ 0 w 3512312"/>
+              <a:gd name="connsiteY8" fmla="*/ 230039 h 2731930"/>
+            </a:gdLst>
+            <a:ahLst/>
+            <a:cxnLst>
+              <a:cxn ang="0">
+                <a:pos x="connsiteX0" y="connsiteY0"/>
+              </a:cxn>
+              <a:cxn ang="0">
+                <a:pos x="connsiteX1" y="connsiteY1"/>
+              </a:cxn>
+              <a:cxn ang="0">
+                <a:pos x="connsiteX2" y="connsiteY2"/>
+              </a:cxn>
+              <a:cxn ang="0">
+                <a:pos x="connsiteX3" y="connsiteY3"/>
+              </a:cxn>
+              <a:cxn ang="0">
+                <a:pos x="connsiteX4" y="connsiteY4"/>
+              </a:cxn>
+              <a:cxn ang="0">
+                <a:pos x="connsiteX5" y="connsiteY5"/>
+              </a:cxn>
+              <a:cxn ang="0">
+                <a:pos x="connsiteX6" y="connsiteY6"/>
+              </a:cxn>
+              <a:cxn ang="0">
+                <a:pos x="connsiteX7" y="connsiteY7"/>
+              </a:cxn>
+              <a:cxn ang="0">
+                <a:pos x="connsiteX8" y="connsiteY8"/>
+              </a:cxn>
+            </a:cxnLst>
+            <a:rect l="l" t="t" r="r" b="b"/>
+            <a:pathLst>
+              <a:path w="3512312" h="2731930">
+                <a:moveTo>
+                  <a:pt x="0" y="230039"/>
+                </a:moveTo>
+                <a:cubicBezTo>
+                  <a:pt x="0" y="-20226"/>
+                  <a:pt x="101280" y="414"/>
+                  <a:pt x="351545" y="414"/>
+                </a:cubicBezTo>
+                <a:lnTo>
+                  <a:pt x="3247127" y="414"/>
+                </a:lnTo>
+                <a:cubicBezTo>
+                  <a:pt x="3497392" y="414"/>
+                  <a:pt x="3512312" y="33114"/>
+                  <a:pt x="3512312" y="283379"/>
+                </a:cubicBezTo>
+                <a:cubicBezTo>
+                  <a:pt x="3510619" y="942588"/>
+                  <a:pt x="3508925" y="1759276"/>
+                  <a:pt x="3507232" y="2418485"/>
+                </a:cubicBezTo>
+                <a:cubicBezTo>
+                  <a:pt x="3507232" y="2668750"/>
+                  <a:pt x="3515172" y="2731930"/>
+                  <a:pt x="3264907" y="2731930"/>
+                </a:cubicBezTo>
+                <a:lnTo>
+                  <a:pt x="298840" y="2717960"/>
+                </a:lnTo>
+                <a:cubicBezTo>
+                  <a:pt x="48575" y="2717960"/>
+                  <a:pt x="0" y="2705580"/>
+                  <a:pt x="0" y="2455315"/>
+                </a:cubicBezTo>
+                <a:lnTo>
+                  <a:pt x="0" y="230039"/>
+                </a:lnTo>
+                <a:close/>
+              </a:path>
+            </a:pathLst>
+          </a:custGeom>
+          <a:solidFill>
+            <a:srgbClr val="ABC7A9"/>
+          </a:solidFill>
+          <a:ln>
+            <a:noFill/>
+          </a:ln>
+          <a:effectLst/>
+          <a:scene3d>
+            <a:camera prst="orthographicFront"/>
+            <a:lightRig rig="threePt" dir="t"/>
+          </a:scene3d>
+          <a:sp3d>
+            <a:bevelT/>
+          </a:sp3d>
+        </p:spPr>
+        <p:style>
+          <a:lnRef idx="2">
+            <a:schemeClr val="accent1">
+              <a:shade val="15000"/>
+            </a:schemeClr>
+          </a:lnRef>
+          <a:fillRef idx="1">
+            <a:schemeClr val="accent1"/>
+          </a:fillRef>
+          <a:effectRef idx="0">
+            <a:schemeClr val="accent1"/>
+          </a:effectRef>
+          <a:fontRef idx="minor">
+            <a:schemeClr val="lt1"/>
+          </a:fontRef>
+        </p:style>
+        <p:txBody>
+          <a:bodyPr rtlCol="0" anchor="ctr"/>
+          <a:lstStyle/>
+          <a:p>
+            <a:pPr algn="ctr"/>
+            <a:endParaRPr lang="de-DE"/>
+          </a:p>
+        </p:txBody>
+      </p:sp>
+      <p:sp>
+        <p:nvSpPr>
+          <p:cNvPr id="11" name="Rechteck: abgerundete Ecken 5">
+            <a:extLst>
+              <a:ext uri="{FF2B5EF4-FFF2-40B4-BE49-F238E27FC236}">
+                <a16:creationId xmlns:a16="http://schemas.microsoft.com/office/drawing/2014/main" id="{0790025B-2A4F-13EF-2669-0C99E962A844}"/>
+              </a:ext>
+            </a:extLst>
+          </p:cNvPr>
+          <p:cNvSpPr/>
+          <p:nvPr/>
+        </p:nvSpPr>
+        <p:spPr>
+          <a:xfrm>
+            <a:off x="2258624" y="5711190"/>
+            <a:ext cx="4674460" cy="1003118"/>
+          </a:xfrm>
+          <a:custGeom>
+            <a:avLst/>
+            <a:gdLst>
+              <a:gd name="connsiteX0" fmla="*/ 0 w 3507232"/>
+              <a:gd name="connsiteY0" fmla="*/ 453145 h 2718816"/>
+              <a:gd name="connsiteX1" fmla="*/ 453145 w 3507232"/>
+              <a:gd name="connsiteY1" fmla="*/ 0 h 2718816"/>
+              <a:gd name="connsiteX2" fmla="*/ 3054087 w 3507232"/>
+              <a:gd name="connsiteY2" fmla="*/ 0 h 2718816"/>
+              <a:gd name="connsiteX3" fmla="*/ 3507232 w 3507232"/>
+              <a:gd name="connsiteY3" fmla="*/ 453145 h 2718816"/>
+              <a:gd name="connsiteX4" fmla="*/ 3507232 w 3507232"/>
+              <a:gd name="connsiteY4" fmla="*/ 2265671 h 2718816"/>
+              <a:gd name="connsiteX5" fmla="*/ 3054087 w 3507232"/>
+              <a:gd name="connsiteY5" fmla="*/ 2718816 h 2718816"/>
+              <a:gd name="connsiteX6" fmla="*/ 453145 w 3507232"/>
+              <a:gd name="connsiteY6" fmla="*/ 2718816 h 2718816"/>
+              <a:gd name="connsiteX7" fmla="*/ 0 w 3507232"/>
+              <a:gd name="connsiteY7" fmla="*/ 2265671 h 2718816"/>
+              <a:gd name="connsiteX8" fmla="*/ 0 w 3507232"/>
+              <a:gd name="connsiteY8" fmla="*/ 453145 h 2718816"/>
+              <a:gd name="connsiteX0" fmla="*/ 0 w 3507232"/>
+              <a:gd name="connsiteY0" fmla="*/ 234895 h 2719006"/>
+              <a:gd name="connsiteX1" fmla="*/ 453145 w 3507232"/>
+              <a:gd name="connsiteY1" fmla="*/ 190 h 2719006"/>
+              <a:gd name="connsiteX2" fmla="*/ 3054087 w 3507232"/>
+              <a:gd name="connsiteY2" fmla="*/ 190 h 2719006"/>
+              <a:gd name="connsiteX3" fmla="*/ 3507232 w 3507232"/>
+              <a:gd name="connsiteY3" fmla="*/ 453335 h 2719006"/>
+              <a:gd name="connsiteX4" fmla="*/ 3507232 w 3507232"/>
+              <a:gd name="connsiteY4" fmla="*/ 2265861 h 2719006"/>
+              <a:gd name="connsiteX5" fmla="*/ 3054087 w 3507232"/>
+              <a:gd name="connsiteY5" fmla="*/ 2719006 h 2719006"/>
+              <a:gd name="connsiteX6" fmla="*/ 453145 w 3507232"/>
+              <a:gd name="connsiteY6" fmla="*/ 2719006 h 2719006"/>
+              <a:gd name="connsiteX7" fmla="*/ 0 w 3507232"/>
+              <a:gd name="connsiteY7" fmla="*/ 2265861 h 2719006"/>
+              <a:gd name="connsiteX8" fmla="*/ 0 w 3507232"/>
+              <a:gd name="connsiteY8" fmla="*/ 234895 h 2719006"/>
+              <a:gd name="connsiteX0" fmla="*/ 0 w 3507232"/>
+              <a:gd name="connsiteY0" fmla="*/ 234705 h 2718816"/>
+              <a:gd name="connsiteX1" fmla="*/ 351545 w 3507232"/>
+              <a:gd name="connsiteY1" fmla="*/ 5080 h 2718816"/>
+              <a:gd name="connsiteX2" fmla="*/ 3054087 w 3507232"/>
+              <a:gd name="connsiteY2" fmla="*/ 0 h 2718816"/>
+              <a:gd name="connsiteX3" fmla="*/ 3507232 w 3507232"/>
+              <a:gd name="connsiteY3" fmla="*/ 453145 h 2718816"/>
+              <a:gd name="connsiteX4" fmla="*/ 3507232 w 3507232"/>
+              <a:gd name="connsiteY4" fmla="*/ 2265671 h 2718816"/>
+              <a:gd name="connsiteX5" fmla="*/ 3054087 w 3507232"/>
+              <a:gd name="connsiteY5" fmla="*/ 2718816 h 2718816"/>
+              <a:gd name="connsiteX6" fmla="*/ 453145 w 3507232"/>
+              <a:gd name="connsiteY6" fmla="*/ 2718816 h 2718816"/>
+              <a:gd name="connsiteX7" fmla="*/ 0 w 3507232"/>
+              <a:gd name="connsiteY7" fmla="*/ 2265671 h 2718816"/>
+              <a:gd name="connsiteX8" fmla="*/ 0 w 3507232"/>
+              <a:gd name="connsiteY8" fmla="*/ 234705 h 2718816"/>
+              <a:gd name="connsiteX0" fmla="*/ 0 w 3507232"/>
+              <a:gd name="connsiteY0" fmla="*/ 230039 h 2714150"/>
+              <a:gd name="connsiteX1" fmla="*/ 351545 w 3507232"/>
+              <a:gd name="connsiteY1" fmla="*/ 414 h 2714150"/>
+              <a:gd name="connsiteX2" fmla="*/ 3247127 w 3507232"/>
+              <a:gd name="connsiteY2" fmla="*/ 414 h 2714150"/>
+              <a:gd name="connsiteX3" fmla="*/ 3507232 w 3507232"/>
+              <a:gd name="connsiteY3" fmla="*/ 448479 h 2714150"/>
+              <a:gd name="connsiteX4" fmla="*/ 3507232 w 3507232"/>
+              <a:gd name="connsiteY4" fmla="*/ 2261005 h 2714150"/>
+              <a:gd name="connsiteX5" fmla="*/ 3054087 w 3507232"/>
+              <a:gd name="connsiteY5" fmla="*/ 2714150 h 2714150"/>
+              <a:gd name="connsiteX6" fmla="*/ 453145 w 3507232"/>
+              <a:gd name="connsiteY6" fmla="*/ 2714150 h 2714150"/>
+              <a:gd name="connsiteX7" fmla="*/ 0 w 3507232"/>
+              <a:gd name="connsiteY7" fmla="*/ 2261005 h 2714150"/>
+              <a:gd name="connsiteX8" fmla="*/ 0 w 3507232"/>
+              <a:gd name="connsiteY8" fmla="*/ 230039 h 2714150"/>
+              <a:gd name="connsiteX0" fmla="*/ 0 w 3512312"/>
+              <a:gd name="connsiteY0" fmla="*/ 230039 h 2714150"/>
+              <a:gd name="connsiteX1" fmla="*/ 351545 w 3512312"/>
+              <a:gd name="connsiteY1" fmla="*/ 414 h 2714150"/>
+              <a:gd name="connsiteX2" fmla="*/ 3247127 w 3512312"/>
+              <a:gd name="connsiteY2" fmla="*/ 414 h 2714150"/>
+              <a:gd name="connsiteX3" fmla="*/ 3512312 w 3512312"/>
+              <a:gd name="connsiteY3" fmla="*/ 283379 h 2714150"/>
+              <a:gd name="connsiteX4" fmla="*/ 3507232 w 3512312"/>
+              <a:gd name="connsiteY4" fmla="*/ 2261005 h 2714150"/>
+              <a:gd name="connsiteX5" fmla="*/ 3054087 w 3512312"/>
+              <a:gd name="connsiteY5" fmla="*/ 2714150 h 2714150"/>
+              <a:gd name="connsiteX6" fmla="*/ 453145 w 3512312"/>
+              <a:gd name="connsiteY6" fmla="*/ 2714150 h 2714150"/>
+              <a:gd name="connsiteX7" fmla="*/ 0 w 3512312"/>
+              <a:gd name="connsiteY7" fmla="*/ 2261005 h 2714150"/>
+              <a:gd name="connsiteX8" fmla="*/ 0 w 3512312"/>
+              <a:gd name="connsiteY8" fmla="*/ 230039 h 2714150"/>
+              <a:gd name="connsiteX0" fmla="*/ 0 w 3512312"/>
+              <a:gd name="connsiteY0" fmla="*/ 230039 h 2719230"/>
+              <a:gd name="connsiteX1" fmla="*/ 351545 w 3512312"/>
+              <a:gd name="connsiteY1" fmla="*/ 414 h 2719230"/>
+              <a:gd name="connsiteX2" fmla="*/ 3247127 w 3512312"/>
+              <a:gd name="connsiteY2" fmla="*/ 414 h 2719230"/>
+              <a:gd name="connsiteX3" fmla="*/ 3512312 w 3512312"/>
+              <a:gd name="connsiteY3" fmla="*/ 283379 h 2719230"/>
+              <a:gd name="connsiteX4" fmla="*/ 3507232 w 3512312"/>
+              <a:gd name="connsiteY4" fmla="*/ 2261005 h 2719230"/>
+              <a:gd name="connsiteX5" fmla="*/ 3303007 w 3512312"/>
+              <a:gd name="connsiteY5" fmla="*/ 2719230 h 2719230"/>
+              <a:gd name="connsiteX6" fmla="*/ 453145 w 3512312"/>
+              <a:gd name="connsiteY6" fmla="*/ 2714150 h 2719230"/>
+              <a:gd name="connsiteX7" fmla="*/ 0 w 3512312"/>
+              <a:gd name="connsiteY7" fmla="*/ 2261005 h 2719230"/>
+              <a:gd name="connsiteX8" fmla="*/ 0 w 3512312"/>
+              <a:gd name="connsiteY8" fmla="*/ 230039 h 2719230"/>
+              <a:gd name="connsiteX0" fmla="*/ 0 w 3512312"/>
+              <a:gd name="connsiteY0" fmla="*/ 230039 h 2719230"/>
+              <a:gd name="connsiteX1" fmla="*/ 351545 w 3512312"/>
+              <a:gd name="connsiteY1" fmla="*/ 414 h 2719230"/>
+              <a:gd name="connsiteX2" fmla="*/ 3247127 w 3512312"/>
+              <a:gd name="connsiteY2" fmla="*/ 414 h 2719230"/>
+              <a:gd name="connsiteX3" fmla="*/ 3512312 w 3512312"/>
+              <a:gd name="connsiteY3" fmla="*/ 283379 h 2719230"/>
+              <a:gd name="connsiteX4" fmla="*/ 3504692 w 3512312"/>
+              <a:gd name="connsiteY4" fmla="*/ 2352445 h 2719230"/>
+              <a:gd name="connsiteX5" fmla="*/ 3303007 w 3512312"/>
+              <a:gd name="connsiteY5" fmla="*/ 2719230 h 2719230"/>
+              <a:gd name="connsiteX6" fmla="*/ 453145 w 3512312"/>
+              <a:gd name="connsiteY6" fmla="*/ 2714150 h 2719230"/>
+              <a:gd name="connsiteX7" fmla="*/ 0 w 3512312"/>
+              <a:gd name="connsiteY7" fmla="*/ 2261005 h 2719230"/>
+              <a:gd name="connsiteX8" fmla="*/ 0 w 3512312"/>
+              <a:gd name="connsiteY8" fmla="*/ 230039 h 2719230"/>
+              <a:gd name="connsiteX0" fmla="*/ 0 w 3512312"/>
+              <a:gd name="connsiteY0" fmla="*/ 230039 h 2719230"/>
+              <a:gd name="connsiteX1" fmla="*/ 351545 w 3512312"/>
+              <a:gd name="connsiteY1" fmla="*/ 414 h 2719230"/>
+              <a:gd name="connsiteX2" fmla="*/ 3247127 w 3512312"/>
+              <a:gd name="connsiteY2" fmla="*/ 414 h 2719230"/>
+              <a:gd name="connsiteX3" fmla="*/ 3512312 w 3512312"/>
+              <a:gd name="connsiteY3" fmla="*/ 283379 h 2719230"/>
+              <a:gd name="connsiteX4" fmla="*/ 3504692 w 3512312"/>
+              <a:gd name="connsiteY4" fmla="*/ 2352445 h 2719230"/>
+              <a:gd name="connsiteX5" fmla="*/ 3282687 w 3512312"/>
+              <a:gd name="connsiteY5" fmla="*/ 2719230 h 2719230"/>
+              <a:gd name="connsiteX6" fmla="*/ 453145 w 3512312"/>
+              <a:gd name="connsiteY6" fmla="*/ 2714150 h 2719230"/>
+              <a:gd name="connsiteX7" fmla="*/ 0 w 3512312"/>
+              <a:gd name="connsiteY7" fmla="*/ 2261005 h 2719230"/>
+              <a:gd name="connsiteX8" fmla="*/ 0 w 3512312"/>
+              <a:gd name="connsiteY8" fmla="*/ 230039 h 2719230"/>
+              <a:gd name="connsiteX0" fmla="*/ 0 w 3512312"/>
+              <a:gd name="connsiteY0" fmla="*/ 230039 h 2731930"/>
+              <a:gd name="connsiteX1" fmla="*/ 351545 w 3512312"/>
+              <a:gd name="connsiteY1" fmla="*/ 414 h 2731930"/>
+              <a:gd name="connsiteX2" fmla="*/ 3247127 w 3512312"/>
+              <a:gd name="connsiteY2" fmla="*/ 414 h 2731930"/>
+              <a:gd name="connsiteX3" fmla="*/ 3512312 w 3512312"/>
+              <a:gd name="connsiteY3" fmla="*/ 283379 h 2731930"/>
+              <a:gd name="connsiteX4" fmla="*/ 3504692 w 3512312"/>
+              <a:gd name="connsiteY4" fmla="*/ 2352445 h 2731930"/>
+              <a:gd name="connsiteX5" fmla="*/ 3264907 w 3512312"/>
+              <a:gd name="connsiteY5" fmla="*/ 2731930 h 2731930"/>
+              <a:gd name="connsiteX6" fmla="*/ 453145 w 3512312"/>
+              <a:gd name="connsiteY6" fmla="*/ 2714150 h 2731930"/>
+              <a:gd name="connsiteX7" fmla="*/ 0 w 3512312"/>
+              <a:gd name="connsiteY7" fmla="*/ 2261005 h 2731930"/>
+              <a:gd name="connsiteX8" fmla="*/ 0 w 3512312"/>
+              <a:gd name="connsiteY8" fmla="*/ 230039 h 2731930"/>
+              <a:gd name="connsiteX0" fmla="*/ 0 w 3512312"/>
+              <a:gd name="connsiteY0" fmla="*/ 230039 h 2731930"/>
+              <a:gd name="connsiteX1" fmla="*/ 351545 w 3512312"/>
+              <a:gd name="connsiteY1" fmla="*/ 414 h 2731930"/>
+              <a:gd name="connsiteX2" fmla="*/ 3247127 w 3512312"/>
+              <a:gd name="connsiteY2" fmla="*/ 414 h 2731930"/>
+              <a:gd name="connsiteX3" fmla="*/ 3512312 w 3512312"/>
+              <a:gd name="connsiteY3" fmla="*/ 283379 h 2731930"/>
+              <a:gd name="connsiteX4" fmla="*/ 3507232 w 3512312"/>
+              <a:gd name="connsiteY4" fmla="*/ 2418485 h 2731930"/>
+              <a:gd name="connsiteX5" fmla="*/ 3264907 w 3512312"/>
+              <a:gd name="connsiteY5" fmla="*/ 2731930 h 2731930"/>
+              <a:gd name="connsiteX6" fmla="*/ 453145 w 3512312"/>
+              <a:gd name="connsiteY6" fmla="*/ 2714150 h 2731930"/>
+              <a:gd name="connsiteX7" fmla="*/ 0 w 3512312"/>
+              <a:gd name="connsiteY7" fmla="*/ 2261005 h 2731930"/>
+              <a:gd name="connsiteX8" fmla="*/ 0 w 3512312"/>
+              <a:gd name="connsiteY8" fmla="*/ 230039 h 2731930"/>
+              <a:gd name="connsiteX0" fmla="*/ 0 w 3512312"/>
+              <a:gd name="connsiteY0" fmla="*/ 230039 h 2731930"/>
+              <a:gd name="connsiteX1" fmla="*/ 351545 w 3512312"/>
+              <a:gd name="connsiteY1" fmla="*/ 414 h 2731930"/>
+              <a:gd name="connsiteX2" fmla="*/ 3247127 w 3512312"/>
+              <a:gd name="connsiteY2" fmla="*/ 414 h 2731930"/>
+              <a:gd name="connsiteX3" fmla="*/ 3512312 w 3512312"/>
+              <a:gd name="connsiteY3" fmla="*/ 283379 h 2731930"/>
+              <a:gd name="connsiteX4" fmla="*/ 3507232 w 3512312"/>
+              <a:gd name="connsiteY4" fmla="*/ 2418485 h 2731930"/>
+              <a:gd name="connsiteX5" fmla="*/ 3264907 w 3512312"/>
+              <a:gd name="connsiteY5" fmla="*/ 2731930 h 2731930"/>
+              <a:gd name="connsiteX6" fmla="*/ 453145 w 3512312"/>
+              <a:gd name="connsiteY6" fmla="*/ 2714150 h 2731930"/>
+              <a:gd name="connsiteX7" fmla="*/ 0 w 3512312"/>
+              <a:gd name="connsiteY7" fmla="*/ 2455315 h 2731930"/>
+              <a:gd name="connsiteX8" fmla="*/ 0 w 3512312"/>
+              <a:gd name="connsiteY8" fmla="*/ 230039 h 2731930"/>
+              <a:gd name="connsiteX0" fmla="*/ 0 w 3512312"/>
+              <a:gd name="connsiteY0" fmla="*/ 230039 h 2731930"/>
+              <a:gd name="connsiteX1" fmla="*/ 351545 w 3512312"/>
+              <a:gd name="connsiteY1" fmla="*/ 414 h 2731930"/>
+              <a:gd name="connsiteX2" fmla="*/ 3247127 w 3512312"/>
+              <a:gd name="connsiteY2" fmla="*/ 414 h 2731930"/>
+              <a:gd name="connsiteX3" fmla="*/ 3512312 w 3512312"/>
+              <a:gd name="connsiteY3" fmla="*/ 283379 h 2731930"/>
+              <a:gd name="connsiteX4" fmla="*/ 3507232 w 3512312"/>
+              <a:gd name="connsiteY4" fmla="*/ 2418485 h 2731930"/>
+              <a:gd name="connsiteX5" fmla="*/ 3264907 w 3512312"/>
+              <a:gd name="connsiteY5" fmla="*/ 2731930 h 2731930"/>
+              <a:gd name="connsiteX6" fmla="*/ 298840 w 3512312"/>
+              <a:gd name="connsiteY6" fmla="*/ 2717960 h 2731930"/>
+              <a:gd name="connsiteX7" fmla="*/ 0 w 3512312"/>
+              <a:gd name="connsiteY7" fmla="*/ 2455315 h 2731930"/>
+              <a:gd name="connsiteX8" fmla="*/ 0 w 3512312"/>
+              <a:gd name="connsiteY8" fmla="*/ 230039 h 2731930"/>
+            </a:gdLst>
+            <a:ahLst/>
+            <a:cxnLst>
+              <a:cxn ang="0">
+                <a:pos x="connsiteX0" y="connsiteY0"/>
+              </a:cxn>
+              <a:cxn ang="0">
+                <a:pos x="connsiteX1" y="connsiteY1"/>
+              </a:cxn>
+              <a:cxn ang="0">
+                <a:pos x="connsiteX2" y="connsiteY2"/>
+              </a:cxn>
+              <a:cxn ang="0">
+                <a:pos x="connsiteX3" y="connsiteY3"/>
+              </a:cxn>
+              <a:cxn ang="0">
+                <a:pos x="connsiteX4" y="connsiteY4"/>
+              </a:cxn>
+              <a:cxn ang="0">
+                <a:pos x="connsiteX5" y="connsiteY5"/>
+              </a:cxn>
+              <a:cxn ang="0">
+                <a:pos x="connsiteX6" y="connsiteY6"/>
+              </a:cxn>
+              <a:cxn ang="0">
+                <a:pos x="connsiteX7" y="connsiteY7"/>
+              </a:cxn>
+              <a:cxn ang="0">
+                <a:pos x="connsiteX8" y="connsiteY8"/>
+              </a:cxn>
+            </a:cxnLst>
+            <a:rect l="l" t="t" r="r" b="b"/>
+            <a:pathLst>
+              <a:path w="3512312" h="2731930">
+                <a:moveTo>
+                  <a:pt x="0" y="230039"/>
+                </a:moveTo>
+                <a:cubicBezTo>
+                  <a:pt x="0" y="-20226"/>
+                  <a:pt x="101280" y="414"/>
+                  <a:pt x="351545" y="414"/>
+                </a:cubicBezTo>
+                <a:lnTo>
+                  <a:pt x="3247127" y="414"/>
+                </a:lnTo>
+                <a:cubicBezTo>
+                  <a:pt x="3497392" y="414"/>
+                  <a:pt x="3512312" y="33114"/>
+                  <a:pt x="3512312" y="283379"/>
+                </a:cubicBezTo>
+                <a:cubicBezTo>
+                  <a:pt x="3510619" y="942588"/>
+                  <a:pt x="3508925" y="1759276"/>
+                  <a:pt x="3507232" y="2418485"/>
+                </a:cubicBezTo>
+                <a:cubicBezTo>
+                  <a:pt x="3507232" y="2668750"/>
+                  <a:pt x="3515172" y="2731930"/>
+                  <a:pt x="3264907" y="2731930"/>
+                </a:cubicBezTo>
+                <a:lnTo>
+                  <a:pt x="298840" y="2717960"/>
+                </a:lnTo>
+                <a:cubicBezTo>
+                  <a:pt x="48575" y="2717960"/>
+                  <a:pt x="0" y="2705580"/>
+                  <a:pt x="0" y="2455315"/>
+                </a:cubicBezTo>
+                <a:lnTo>
+                  <a:pt x="0" y="230039"/>
+                </a:lnTo>
+                <a:close/>
+              </a:path>
+            </a:pathLst>
+          </a:custGeom>
+          <a:solidFill>
+            <a:srgbClr val="ABC7A9"/>
+          </a:solidFill>
+          <a:ln>
+            <a:noFill/>
+          </a:ln>
+          <a:effectLst/>
+          <a:scene3d>
+            <a:camera prst="orthographicFront"/>
+            <a:lightRig rig="threePt" dir="t"/>
+          </a:scene3d>
+          <a:sp3d>
+            <a:bevelT/>
+            <a:bevelB/>
+          </a:sp3d>
+        </p:spPr>
+        <p:style>
+          <a:lnRef idx="2">
+            <a:schemeClr val="accent1">
+              <a:shade val="15000"/>
+            </a:schemeClr>
+          </a:lnRef>
+          <a:fillRef idx="1">
+            <a:schemeClr val="accent1"/>
+          </a:fillRef>
+          <a:effectRef idx="0">
+            <a:schemeClr val="accent1"/>
+          </a:effectRef>
+          <a:fontRef idx="minor">
+            <a:schemeClr val="lt1"/>
+          </a:fontRef>
+        </p:style>
+        <p:txBody>
+          <a:bodyPr rtlCol="0" anchor="ctr"/>
+          <a:lstStyle/>
+          <a:p>
+            <a:pPr algn="ctr"/>
+            <a:endParaRPr lang="de-DE"/>
+          </a:p>
+        </p:txBody>
+      </p:sp>
+      <p:sp>
+        <p:nvSpPr>
+          <p:cNvPr id="12" name="Rechteck: abgerundete Ecken 5">
+            <a:extLst>
+              <a:ext uri="{FF2B5EF4-FFF2-40B4-BE49-F238E27FC236}">
+                <a16:creationId xmlns:a16="http://schemas.microsoft.com/office/drawing/2014/main" id="{E0BAD059-7EA0-A35E-A85D-AD344DD43733}"/>
+              </a:ext>
+            </a:extLst>
+          </p:cNvPr>
+          <p:cNvSpPr/>
+          <p:nvPr/>
+        </p:nvSpPr>
+        <p:spPr>
+          <a:xfrm>
+            <a:off x="7048197" y="93680"/>
+            <a:ext cx="5082843" cy="6670640"/>
+          </a:xfrm>
+          <a:custGeom>
+            <a:avLst/>
+            <a:gdLst>
+              <a:gd name="connsiteX0" fmla="*/ 0 w 3507232"/>
+              <a:gd name="connsiteY0" fmla="*/ 453145 h 2718816"/>
+              <a:gd name="connsiteX1" fmla="*/ 453145 w 3507232"/>
+              <a:gd name="connsiteY1" fmla="*/ 0 h 2718816"/>
+              <a:gd name="connsiteX2" fmla="*/ 3054087 w 3507232"/>
+              <a:gd name="connsiteY2" fmla="*/ 0 h 2718816"/>
+              <a:gd name="connsiteX3" fmla="*/ 3507232 w 3507232"/>
+              <a:gd name="connsiteY3" fmla="*/ 453145 h 2718816"/>
+              <a:gd name="connsiteX4" fmla="*/ 3507232 w 3507232"/>
+              <a:gd name="connsiteY4" fmla="*/ 2265671 h 2718816"/>
+              <a:gd name="connsiteX5" fmla="*/ 3054087 w 3507232"/>
+              <a:gd name="connsiteY5" fmla="*/ 2718816 h 2718816"/>
+              <a:gd name="connsiteX6" fmla="*/ 453145 w 3507232"/>
+              <a:gd name="connsiteY6" fmla="*/ 2718816 h 2718816"/>
+              <a:gd name="connsiteX7" fmla="*/ 0 w 3507232"/>
+              <a:gd name="connsiteY7" fmla="*/ 2265671 h 2718816"/>
+              <a:gd name="connsiteX8" fmla="*/ 0 w 3507232"/>
+              <a:gd name="connsiteY8" fmla="*/ 453145 h 2718816"/>
+              <a:gd name="connsiteX0" fmla="*/ 0 w 3507232"/>
+              <a:gd name="connsiteY0" fmla="*/ 234895 h 2719006"/>
+              <a:gd name="connsiteX1" fmla="*/ 453145 w 3507232"/>
+              <a:gd name="connsiteY1" fmla="*/ 190 h 2719006"/>
+              <a:gd name="connsiteX2" fmla="*/ 3054087 w 3507232"/>
+              <a:gd name="connsiteY2" fmla="*/ 190 h 2719006"/>
+              <a:gd name="connsiteX3" fmla="*/ 3507232 w 3507232"/>
+              <a:gd name="connsiteY3" fmla="*/ 453335 h 2719006"/>
+              <a:gd name="connsiteX4" fmla="*/ 3507232 w 3507232"/>
+              <a:gd name="connsiteY4" fmla="*/ 2265861 h 2719006"/>
+              <a:gd name="connsiteX5" fmla="*/ 3054087 w 3507232"/>
+              <a:gd name="connsiteY5" fmla="*/ 2719006 h 2719006"/>
+              <a:gd name="connsiteX6" fmla="*/ 453145 w 3507232"/>
+              <a:gd name="connsiteY6" fmla="*/ 2719006 h 2719006"/>
+              <a:gd name="connsiteX7" fmla="*/ 0 w 3507232"/>
+              <a:gd name="connsiteY7" fmla="*/ 2265861 h 2719006"/>
+              <a:gd name="connsiteX8" fmla="*/ 0 w 3507232"/>
+              <a:gd name="connsiteY8" fmla="*/ 234895 h 2719006"/>
+              <a:gd name="connsiteX0" fmla="*/ 0 w 3507232"/>
+              <a:gd name="connsiteY0" fmla="*/ 234705 h 2718816"/>
+              <a:gd name="connsiteX1" fmla="*/ 351545 w 3507232"/>
+              <a:gd name="connsiteY1" fmla="*/ 5080 h 2718816"/>
+              <a:gd name="connsiteX2" fmla="*/ 3054087 w 3507232"/>
+              <a:gd name="connsiteY2" fmla="*/ 0 h 2718816"/>
+              <a:gd name="connsiteX3" fmla="*/ 3507232 w 3507232"/>
+              <a:gd name="connsiteY3" fmla="*/ 453145 h 2718816"/>
+              <a:gd name="connsiteX4" fmla="*/ 3507232 w 3507232"/>
+              <a:gd name="connsiteY4" fmla="*/ 2265671 h 2718816"/>
+              <a:gd name="connsiteX5" fmla="*/ 3054087 w 3507232"/>
+              <a:gd name="connsiteY5" fmla="*/ 2718816 h 2718816"/>
+              <a:gd name="connsiteX6" fmla="*/ 453145 w 3507232"/>
+              <a:gd name="connsiteY6" fmla="*/ 2718816 h 2718816"/>
+              <a:gd name="connsiteX7" fmla="*/ 0 w 3507232"/>
+              <a:gd name="connsiteY7" fmla="*/ 2265671 h 2718816"/>
+              <a:gd name="connsiteX8" fmla="*/ 0 w 3507232"/>
+              <a:gd name="connsiteY8" fmla="*/ 234705 h 2718816"/>
+              <a:gd name="connsiteX0" fmla="*/ 0 w 3507232"/>
+              <a:gd name="connsiteY0" fmla="*/ 230039 h 2714150"/>
+              <a:gd name="connsiteX1" fmla="*/ 351545 w 3507232"/>
+              <a:gd name="connsiteY1" fmla="*/ 414 h 2714150"/>
+              <a:gd name="connsiteX2" fmla="*/ 3247127 w 3507232"/>
+              <a:gd name="connsiteY2" fmla="*/ 414 h 2714150"/>
+              <a:gd name="connsiteX3" fmla="*/ 3507232 w 3507232"/>
+              <a:gd name="connsiteY3" fmla="*/ 448479 h 2714150"/>
+              <a:gd name="connsiteX4" fmla="*/ 3507232 w 3507232"/>
+              <a:gd name="connsiteY4" fmla="*/ 2261005 h 2714150"/>
+              <a:gd name="connsiteX5" fmla="*/ 3054087 w 3507232"/>
+              <a:gd name="connsiteY5" fmla="*/ 2714150 h 2714150"/>
+              <a:gd name="connsiteX6" fmla="*/ 453145 w 3507232"/>
+              <a:gd name="connsiteY6" fmla="*/ 2714150 h 2714150"/>
+              <a:gd name="connsiteX7" fmla="*/ 0 w 3507232"/>
+              <a:gd name="connsiteY7" fmla="*/ 2261005 h 2714150"/>
+              <a:gd name="connsiteX8" fmla="*/ 0 w 3507232"/>
+              <a:gd name="connsiteY8" fmla="*/ 230039 h 2714150"/>
+              <a:gd name="connsiteX0" fmla="*/ 0 w 3512312"/>
+              <a:gd name="connsiteY0" fmla="*/ 230039 h 2714150"/>
+              <a:gd name="connsiteX1" fmla="*/ 351545 w 3512312"/>
+              <a:gd name="connsiteY1" fmla="*/ 414 h 2714150"/>
+              <a:gd name="connsiteX2" fmla="*/ 3247127 w 3512312"/>
+              <a:gd name="connsiteY2" fmla="*/ 414 h 2714150"/>
+              <a:gd name="connsiteX3" fmla="*/ 3512312 w 3512312"/>
+              <a:gd name="connsiteY3" fmla="*/ 283379 h 2714150"/>
+              <a:gd name="connsiteX4" fmla="*/ 3507232 w 3512312"/>
+              <a:gd name="connsiteY4" fmla="*/ 2261005 h 2714150"/>
+              <a:gd name="connsiteX5" fmla="*/ 3054087 w 3512312"/>
+              <a:gd name="connsiteY5" fmla="*/ 2714150 h 2714150"/>
+              <a:gd name="connsiteX6" fmla="*/ 453145 w 3512312"/>
+              <a:gd name="connsiteY6" fmla="*/ 2714150 h 2714150"/>
+              <a:gd name="connsiteX7" fmla="*/ 0 w 3512312"/>
+              <a:gd name="connsiteY7" fmla="*/ 2261005 h 2714150"/>
+              <a:gd name="connsiteX8" fmla="*/ 0 w 3512312"/>
+              <a:gd name="connsiteY8" fmla="*/ 230039 h 2714150"/>
+              <a:gd name="connsiteX0" fmla="*/ 0 w 3512312"/>
+              <a:gd name="connsiteY0" fmla="*/ 230039 h 2719230"/>
+              <a:gd name="connsiteX1" fmla="*/ 351545 w 3512312"/>
+              <a:gd name="connsiteY1" fmla="*/ 414 h 2719230"/>
+              <a:gd name="connsiteX2" fmla="*/ 3247127 w 3512312"/>
+              <a:gd name="connsiteY2" fmla="*/ 414 h 2719230"/>
+              <a:gd name="connsiteX3" fmla="*/ 3512312 w 3512312"/>
+              <a:gd name="connsiteY3" fmla="*/ 283379 h 2719230"/>
+              <a:gd name="connsiteX4" fmla="*/ 3507232 w 3512312"/>
+              <a:gd name="connsiteY4" fmla="*/ 2261005 h 2719230"/>
+              <a:gd name="connsiteX5" fmla="*/ 3303007 w 3512312"/>
+              <a:gd name="connsiteY5" fmla="*/ 2719230 h 2719230"/>
+              <a:gd name="connsiteX6" fmla="*/ 453145 w 3512312"/>
+              <a:gd name="connsiteY6" fmla="*/ 2714150 h 2719230"/>
+              <a:gd name="connsiteX7" fmla="*/ 0 w 3512312"/>
+              <a:gd name="connsiteY7" fmla="*/ 2261005 h 2719230"/>
+              <a:gd name="connsiteX8" fmla="*/ 0 w 3512312"/>
+              <a:gd name="connsiteY8" fmla="*/ 230039 h 2719230"/>
+              <a:gd name="connsiteX0" fmla="*/ 0 w 3512312"/>
+              <a:gd name="connsiteY0" fmla="*/ 230039 h 2719230"/>
+              <a:gd name="connsiteX1" fmla="*/ 351545 w 3512312"/>
+              <a:gd name="connsiteY1" fmla="*/ 414 h 2719230"/>
+              <a:gd name="connsiteX2" fmla="*/ 3247127 w 3512312"/>
+              <a:gd name="connsiteY2" fmla="*/ 414 h 2719230"/>
+              <a:gd name="connsiteX3" fmla="*/ 3512312 w 3512312"/>
+              <a:gd name="connsiteY3" fmla="*/ 283379 h 2719230"/>
+              <a:gd name="connsiteX4" fmla="*/ 3504692 w 3512312"/>
+              <a:gd name="connsiteY4" fmla="*/ 2352445 h 2719230"/>
+              <a:gd name="connsiteX5" fmla="*/ 3303007 w 3512312"/>
+              <a:gd name="connsiteY5" fmla="*/ 2719230 h 2719230"/>
+              <a:gd name="connsiteX6" fmla="*/ 453145 w 3512312"/>
+              <a:gd name="connsiteY6" fmla="*/ 2714150 h 2719230"/>
+              <a:gd name="connsiteX7" fmla="*/ 0 w 3512312"/>
+              <a:gd name="connsiteY7" fmla="*/ 2261005 h 2719230"/>
+              <a:gd name="connsiteX8" fmla="*/ 0 w 3512312"/>
+              <a:gd name="connsiteY8" fmla="*/ 230039 h 2719230"/>
+              <a:gd name="connsiteX0" fmla="*/ 0 w 3512312"/>
+              <a:gd name="connsiteY0" fmla="*/ 230039 h 2719230"/>
+              <a:gd name="connsiteX1" fmla="*/ 351545 w 3512312"/>
+              <a:gd name="connsiteY1" fmla="*/ 414 h 2719230"/>
+              <a:gd name="connsiteX2" fmla="*/ 3247127 w 3512312"/>
+              <a:gd name="connsiteY2" fmla="*/ 414 h 2719230"/>
+              <a:gd name="connsiteX3" fmla="*/ 3512312 w 3512312"/>
+              <a:gd name="connsiteY3" fmla="*/ 283379 h 2719230"/>
+              <a:gd name="connsiteX4" fmla="*/ 3504692 w 3512312"/>
+              <a:gd name="connsiteY4" fmla="*/ 2352445 h 2719230"/>
+              <a:gd name="connsiteX5" fmla="*/ 3282687 w 3512312"/>
+              <a:gd name="connsiteY5" fmla="*/ 2719230 h 2719230"/>
+              <a:gd name="connsiteX6" fmla="*/ 453145 w 3512312"/>
+              <a:gd name="connsiteY6" fmla="*/ 2714150 h 2719230"/>
+              <a:gd name="connsiteX7" fmla="*/ 0 w 3512312"/>
+              <a:gd name="connsiteY7" fmla="*/ 2261005 h 2719230"/>
+              <a:gd name="connsiteX8" fmla="*/ 0 w 3512312"/>
+              <a:gd name="connsiteY8" fmla="*/ 230039 h 2719230"/>
+              <a:gd name="connsiteX0" fmla="*/ 0 w 3512312"/>
+              <a:gd name="connsiteY0" fmla="*/ 230039 h 2731930"/>
+              <a:gd name="connsiteX1" fmla="*/ 351545 w 3512312"/>
+              <a:gd name="connsiteY1" fmla="*/ 414 h 2731930"/>
+              <a:gd name="connsiteX2" fmla="*/ 3247127 w 3512312"/>
+              <a:gd name="connsiteY2" fmla="*/ 414 h 2731930"/>
+              <a:gd name="connsiteX3" fmla="*/ 3512312 w 3512312"/>
+              <a:gd name="connsiteY3" fmla="*/ 283379 h 2731930"/>
+              <a:gd name="connsiteX4" fmla="*/ 3504692 w 3512312"/>
+              <a:gd name="connsiteY4" fmla="*/ 2352445 h 2731930"/>
+              <a:gd name="connsiteX5" fmla="*/ 3264907 w 3512312"/>
+              <a:gd name="connsiteY5" fmla="*/ 2731930 h 2731930"/>
+              <a:gd name="connsiteX6" fmla="*/ 453145 w 3512312"/>
+              <a:gd name="connsiteY6" fmla="*/ 2714150 h 2731930"/>
+              <a:gd name="connsiteX7" fmla="*/ 0 w 3512312"/>
+              <a:gd name="connsiteY7" fmla="*/ 2261005 h 2731930"/>
+              <a:gd name="connsiteX8" fmla="*/ 0 w 3512312"/>
+              <a:gd name="connsiteY8" fmla="*/ 230039 h 2731930"/>
+              <a:gd name="connsiteX0" fmla="*/ 0 w 3512312"/>
+              <a:gd name="connsiteY0" fmla="*/ 230039 h 2731930"/>
+              <a:gd name="connsiteX1" fmla="*/ 351545 w 3512312"/>
+              <a:gd name="connsiteY1" fmla="*/ 414 h 2731930"/>
+              <a:gd name="connsiteX2" fmla="*/ 3247127 w 3512312"/>
+              <a:gd name="connsiteY2" fmla="*/ 414 h 2731930"/>
+              <a:gd name="connsiteX3" fmla="*/ 3512312 w 3512312"/>
+              <a:gd name="connsiteY3" fmla="*/ 283379 h 2731930"/>
+              <a:gd name="connsiteX4" fmla="*/ 3507232 w 3512312"/>
+              <a:gd name="connsiteY4" fmla="*/ 2418485 h 2731930"/>
+              <a:gd name="connsiteX5" fmla="*/ 3264907 w 3512312"/>
+              <a:gd name="connsiteY5" fmla="*/ 2731930 h 2731930"/>
+              <a:gd name="connsiteX6" fmla="*/ 453145 w 3512312"/>
+              <a:gd name="connsiteY6" fmla="*/ 2714150 h 2731930"/>
+              <a:gd name="connsiteX7" fmla="*/ 0 w 3512312"/>
+              <a:gd name="connsiteY7" fmla="*/ 2261005 h 2731930"/>
+              <a:gd name="connsiteX8" fmla="*/ 0 w 3512312"/>
+              <a:gd name="connsiteY8" fmla="*/ 230039 h 2731930"/>
+              <a:gd name="connsiteX0" fmla="*/ 0 w 3512312"/>
+              <a:gd name="connsiteY0" fmla="*/ 230039 h 2731930"/>
+              <a:gd name="connsiteX1" fmla="*/ 351545 w 3512312"/>
+              <a:gd name="connsiteY1" fmla="*/ 414 h 2731930"/>
+              <a:gd name="connsiteX2" fmla="*/ 3247127 w 3512312"/>
+              <a:gd name="connsiteY2" fmla="*/ 414 h 2731930"/>
+              <a:gd name="connsiteX3" fmla="*/ 3512312 w 3512312"/>
+              <a:gd name="connsiteY3" fmla="*/ 283379 h 2731930"/>
+              <a:gd name="connsiteX4" fmla="*/ 3507232 w 3512312"/>
+              <a:gd name="connsiteY4" fmla="*/ 2418485 h 2731930"/>
+              <a:gd name="connsiteX5" fmla="*/ 3264907 w 3512312"/>
+              <a:gd name="connsiteY5" fmla="*/ 2731930 h 2731930"/>
+              <a:gd name="connsiteX6" fmla="*/ 453145 w 3512312"/>
+              <a:gd name="connsiteY6" fmla="*/ 2714150 h 2731930"/>
+              <a:gd name="connsiteX7" fmla="*/ 0 w 3512312"/>
+              <a:gd name="connsiteY7" fmla="*/ 2455315 h 2731930"/>
+              <a:gd name="connsiteX8" fmla="*/ 0 w 3512312"/>
+              <a:gd name="connsiteY8" fmla="*/ 230039 h 2731930"/>
+              <a:gd name="connsiteX0" fmla="*/ 0 w 3512312"/>
+              <a:gd name="connsiteY0" fmla="*/ 230039 h 2731930"/>
+              <a:gd name="connsiteX1" fmla="*/ 351545 w 3512312"/>
+              <a:gd name="connsiteY1" fmla="*/ 414 h 2731930"/>
+              <a:gd name="connsiteX2" fmla="*/ 3247127 w 3512312"/>
+              <a:gd name="connsiteY2" fmla="*/ 414 h 2731930"/>
+              <a:gd name="connsiteX3" fmla="*/ 3512312 w 3512312"/>
+              <a:gd name="connsiteY3" fmla="*/ 283379 h 2731930"/>
+              <a:gd name="connsiteX4" fmla="*/ 3507232 w 3512312"/>
+              <a:gd name="connsiteY4" fmla="*/ 2418485 h 2731930"/>
+              <a:gd name="connsiteX5" fmla="*/ 3264907 w 3512312"/>
+              <a:gd name="connsiteY5" fmla="*/ 2731930 h 2731930"/>
+              <a:gd name="connsiteX6" fmla="*/ 298840 w 3512312"/>
+              <a:gd name="connsiteY6" fmla="*/ 2717960 h 2731930"/>
+              <a:gd name="connsiteX7" fmla="*/ 0 w 3512312"/>
+              <a:gd name="connsiteY7" fmla="*/ 2455315 h 2731930"/>
+              <a:gd name="connsiteX8" fmla="*/ 0 w 3512312"/>
+              <a:gd name="connsiteY8" fmla="*/ 230039 h 2731930"/>
+            </a:gdLst>
+            <a:ahLst/>
+            <a:cxnLst>
+              <a:cxn ang="0">
+                <a:pos x="connsiteX0" y="connsiteY0"/>
+              </a:cxn>
+              <a:cxn ang="0">
+                <a:pos x="connsiteX1" y="connsiteY1"/>
+              </a:cxn>
+              <a:cxn ang="0">
+                <a:pos x="connsiteX2" y="connsiteY2"/>
+              </a:cxn>
+              <a:cxn ang="0">
+                <a:pos x="connsiteX3" y="connsiteY3"/>
+              </a:cxn>
+              <a:cxn ang="0">
+                <a:pos x="connsiteX4" y="connsiteY4"/>
+              </a:cxn>
+              <a:cxn ang="0">
+                <a:pos x="connsiteX5" y="connsiteY5"/>
+              </a:cxn>
+              <a:cxn ang="0">
+                <a:pos x="connsiteX6" y="connsiteY6"/>
+              </a:cxn>
+              <a:cxn ang="0">
+                <a:pos x="connsiteX7" y="connsiteY7"/>
+              </a:cxn>
+              <a:cxn ang="0">
+                <a:pos x="connsiteX8" y="connsiteY8"/>
+              </a:cxn>
+            </a:cxnLst>
+            <a:rect l="l" t="t" r="r" b="b"/>
+            <a:pathLst>
+              <a:path w="3512312" h="2731930">
+                <a:moveTo>
+                  <a:pt x="0" y="230039"/>
+                </a:moveTo>
+                <a:cubicBezTo>
+                  <a:pt x="0" y="-20226"/>
+                  <a:pt x="101280" y="414"/>
+                  <a:pt x="351545" y="414"/>
+                </a:cubicBezTo>
+                <a:lnTo>
+                  <a:pt x="3247127" y="414"/>
+                </a:lnTo>
+                <a:cubicBezTo>
+                  <a:pt x="3497392" y="414"/>
+                  <a:pt x="3512312" y="33114"/>
+                  <a:pt x="3512312" y="283379"/>
+                </a:cubicBezTo>
+                <a:cubicBezTo>
+                  <a:pt x="3510619" y="942588"/>
+                  <a:pt x="3508925" y="1759276"/>
+                  <a:pt x="3507232" y="2418485"/>
+                </a:cubicBezTo>
+                <a:cubicBezTo>
+                  <a:pt x="3507232" y="2668750"/>
+                  <a:pt x="3515172" y="2731930"/>
+                  <a:pt x="3264907" y="2731930"/>
+                </a:cubicBezTo>
+                <a:lnTo>
+                  <a:pt x="298840" y="2717960"/>
+                </a:lnTo>
+                <a:cubicBezTo>
+                  <a:pt x="48575" y="2717960"/>
+                  <a:pt x="0" y="2705580"/>
+                  <a:pt x="0" y="2455315"/>
+                </a:cubicBezTo>
+                <a:lnTo>
+                  <a:pt x="0" y="230039"/>
+                </a:lnTo>
+                <a:close/>
+              </a:path>
+            </a:pathLst>
+          </a:custGeom>
+          <a:solidFill>
+            <a:srgbClr val="ABC7A9"/>
+          </a:solidFill>
+          <a:ln>
+            <a:noFill/>
+          </a:ln>
+          <a:effectLst/>
+          <a:scene3d>
+            <a:camera prst="orthographicFront"/>
+            <a:lightRig rig="threePt" dir="t"/>
+          </a:scene3d>
+          <a:sp3d>
+            <a:bevelT/>
+          </a:sp3d>
+        </p:spPr>
+        <p:style>
+          <a:lnRef idx="2">
+            <a:schemeClr val="accent1">
+              <a:shade val="15000"/>
+            </a:schemeClr>
+          </a:lnRef>
+          <a:fillRef idx="1">
+            <a:schemeClr val="accent1"/>
+          </a:fillRef>
+          <a:effectRef idx="0">
+            <a:schemeClr val="accent1"/>
+          </a:effectRef>
+          <a:fontRef idx="minor">
+            <a:schemeClr val="lt1"/>
+          </a:fontRef>
+        </p:style>
+        <p:txBody>
+          <a:bodyPr rtlCol="0" anchor="ctr"/>
+          <a:lstStyle/>
+          <a:p>
+            <a:pPr algn="ctr"/>
+            <a:endParaRPr lang="de-DE"/>
+          </a:p>
+        </p:txBody>
+      </p:sp>
+      <p:pic>
+        <p:nvPicPr>
+          <p:cNvPr id="5" name="Grafik 4" descr="Ein Bild, das Text, Software, Zahl, Computersymbol enthält.&#10;&#10;KI-generierte Inhalte können fehlerhaft sein." hidden="1">
+            <a:extLst>
+              <a:ext uri="{FF2B5EF4-FFF2-40B4-BE49-F238E27FC236}">
+                <a16:creationId xmlns:a16="http://schemas.microsoft.com/office/drawing/2014/main" id="{7FEBEA65-3CFB-9935-42C0-67D0E9A59D23}"/>
+              </a:ext>
+            </a:extLst>
+          </p:cNvPr>
+          <p:cNvPicPr>
+            <a:picLocks noChangeAspect="1"/>
+          </p:cNvPicPr>
+          <p:nvPr/>
+        </p:nvPicPr>
+        <p:blipFill>
+          <a:blip r:embed="rId3">
+            <a:alphaModFix amt="20000"/>
+            <a:extLst>
+              <a:ext uri="{28A0092B-C50C-407E-A947-70E740481C1C}">
+                <a14:useLocalDpi xmlns:a14="http://schemas.microsoft.com/office/drawing/2010/main" val="0"/>
+              </a:ext>
+            </a:extLst>
+          </a:blip>
+          <a:stretch>
+            <a:fillRect/>
+          </a:stretch>
+        </p:blipFill>
+        <p:spPr>
+          <a:xfrm>
+            <a:off x="0" y="0"/>
+            <a:ext cx="12192000" cy="6859696"/>
+          </a:xfrm>
+          <a:prstGeom prst="rect">
+            <a:avLst/>
+          </a:prstGeom>
+        </p:spPr>
+      </p:pic>
+    </p:spTree>
+    <p:extLst>
+      <p:ext uri="{BB962C8B-B14F-4D97-AF65-F5344CB8AC3E}">
+        <p14:creationId xmlns:p14="http://schemas.microsoft.com/office/powerpoint/2010/main" val="1663266684"/>
       </p:ext>
     </p:extLst>
   </p:cSld>
